--- a/sample_code/week1/week1_cmpt135.pptx
+++ b/sample_code/week1/week1_cmpt135.pptx
@@ -214,6 +214,7 @@
 <p1510:revInfo xmlns:a="http://schemas.openxmlformats.org/drawingml/2006/main" xmlns:r="http://schemas.openxmlformats.org/officeDocument/2006/relationships" xmlns:p1510="http://schemas.microsoft.com/office/powerpoint/2015/10/main">
   <p1510:revLst>
     <p1510:client id="{1D7FF059-C713-4BC0-AC98-694AB6D31A7B}" v="53" dt="2024-01-12T03:59:47.109"/>
+    <p1510:client id="{3520225A-7FAC-4461-9FDF-E7DA7C7B989D}" v="1" dt="2024-01-12T21:24:29.785"/>
   </p1510:revLst>
 </p1510:revInfo>
 </file>
@@ -2427,7 +2428,7 @@
   <pc:docChgLst>
     <pc:chgData name="Toby Donaldson" userId="2e6e5431-bb17-4c41-9985-d39c50d83c73" providerId="ADAL" clId="{3520225A-7FAC-4461-9FDF-E7DA7C7B989D}"/>
     <pc:docChg chg="undo redo custSel addSld modSld sldOrd modNotesMaster">
-      <pc:chgData name="Toby Donaldson" userId="2e6e5431-bb17-4c41-9985-d39c50d83c73" providerId="ADAL" clId="{3520225A-7FAC-4461-9FDF-E7DA7C7B989D}" dt="2024-01-10T21:35:59.958" v="1350" actId="113"/>
+      <pc:chgData name="Toby Donaldson" userId="2e6e5431-bb17-4c41-9985-d39c50d83c73" providerId="ADAL" clId="{3520225A-7FAC-4461-9FDF-E7DA7C7B989D}" dt="2024-01-12T21:24:29.785" v="1361"/>
       <pc:docMkLst>
         <pc:docMk/>
       </pc:docMkLst>
@@ -2883,6 +2884,104 @@
             <pc:docMk/>
             <pc:sldMk cId="4170550138" sldId="285"/>
             <ac:inkMk id="6" creationId="{108D1328-42E9-4092-43B3-351663B01051}"/>
+          </ac:inkMkLst>
+        </pc:inkChg>
+      </pc:sldChg>
+      <pc:sldChg chg="modSp mod">
+        <pc:chgData name="Toby Donaldson" userId="2e6e5431-bb17-4c41-9985-d39c50d83c73" providerId="ADAL" clId="{3520225A-7FAC-4461-9FDF-E7DA7C7B989D}" dt="2024-01-12T18:44:09.041" v="1360" actId="14100"/>
+        <pc:sldMkLst>
+          <pc:docMk/>
+          <pc:sldMk cId="3044099609" sldId="288"/>
+        </pc:sldMkLst>
+        <pc:spChg chg="mod">
+          <ac:chgData name="Toby Donaldson" userId="2e6e5431-bb17-4c41-9985-d39c50d83c73" providerId="ADAL" clId="{3520225A-7FAC-4461-9FDF-E7DA7C7B989D}" dt="2024-01-12T18:44:09.041" v="1360" actId="14100"/>
+          <ac:spMkLst>
+            <pc:docMk/>
+            <pc:sldMk cId="3044099609" sldId="288"/>
+            <ac:spMk id="3" creationId="{283C6FA7-295A-88DD-8772-18D469BE3C15}"/>
+          </ac:spMkLst>
+        </pc:spChg>
+        <pc:cxnChg chg="mod">
+          <ac:chgData name="Toby Donaldson" userId="2e6e5431-bb17-4c41-9985-d39c50d83c73" providerId="ADAL" clId="{3520225A-7FAC-4461-9FDF-E7DA7C7B989D}" dt="2024-01-12T18:44:09.041" v="1360" actId="14100"/>
+          <ac:cxnSpMkLst>
+            <pc:docMk/>
+            <pc:sldMk cId="3044099609" sldId="288"/>
+            <ac:cxnSpMk id="7" creationId="{0F78DAC7-5857-87C5-740F-B164800E5707}"/>
+          </ac:cxnSpMkLst>
+        </pc:cxnChg>
+      </pc:sldChg>
+      <pc:sldChg chg="addSp">
+        <pc:chgData name="Toby Donaldson" userId="2e6e5431-bb17-4c41-9985-d39c50d83c73" providerId="ADAL" clId="{3520225A-7FAC-4461-9FDF-E7DA7C7B989D}" dt="2024-01-12T21:24:29.785" v="1361"/>
+        <pc:sldMkLst>
+          <pc:docMk/>
+          <pc:sldMk cId="2499414711" sldId="289"/>
+        </pc:sldMkLst>
+        <pc:inkChg chg="add">
+          <ac:chgData name="Toby Donaldson" userId="2e6e5431-bb17-4c41-9985-d39c50d83c73" providerId="ADAL" clId="{3520225A-7FAC-4461-9FDF-E7DA7C7B989D}" dt="2024-01-12T21:24:29.785" v="1361"/>
+          <ac:inkMkLst>
+            <pc:docMk/>
+            <pc:sldMk cId="2499414711" sldId="289"/>
+            <ac:inkMk id="5" creationId="{476456FB-D957-38EA-0E04-C4927CEC96D2}"/>
+          </ac:inkMkLst>
+        </pc:inkChg>
+      </pc:sldChg>
+      <pc:sldChg chg="addSp">
+        <pc:chgData name="Toby Donaldson" userId="2e6e5431-bb17-4c41-9985-d39c50d83c73" providerId="ADAL" clId="{3520225A-7FAC-4461-9FDF-E7DA7C7B989D}" dt="2024-01-12T21:24:29.785" v="1361"/>
+        <pc:sldMkLst>
+          <pc:docMk/>
+          <pc:sldMk cId="236135703" sldId="290"/>
+        </pc:sldMkLst>
+        <pc:inkChg chg="add">
+          <ac:chgData name="Toby Donaldson" userId="2e6e5431-bb17-4c41-9985-d39c50d83c73" providerId="ADAL" clId="{3520225A-7FAC-4461-9FDF-E7DA7C7B989D}" dt="2024-01-12T21:24:29.785" v="1361"/>
+          <ac:inkMkLst>
+            <pc:docMk/>
+            <pc:sldMk cId="236135703" sldId="290"/>
+            <ac:inkMk id="5" creationId="{C0A7F282-2AD2-667D-A790-C063D852F2DE}"/>
+          </ac:inkMkLst>
+        </pc:inkChg>
+      </pc:sldChg>
+      <pc:sldChg chg="addSp">
+        <pc:chgData name="Toby Donaldson" userId="2e6e5431-bb17-4c41-9985-d39c50d83c73" providerId="ADAL" clId="{3520225A-7FAC-4461-9FDF-E7DA7C7B989D}" dt="2024-01-12T21:24:29.785" v="1361"/>
+        <pc:sldMkLst>
+          <pc:docMk/>
+          <pc:sldMk cId="3452256213" sldId="291"/>
+        </pc:sldMkLst>
+        <pc:inkChg chg="add">
+          <ac:chgData name="Toby Donaldson" userId="2e6e5431-bb17-4c41-9985-d39c50d83c73" providerId="ADAL" clId="{3520225A-7FAC-4461-9FDF-E7DA7C7B989D}" dt="2024-01-12T21:24:29.785" v="1361"/>
+          <ac:inkMkLst>
+            <pc:docMk/>
+            <pc:sldMk cId="3452256213" sldId="291"/>
+            <ac:inkMk id="5" creationId="{144839CF-5C7D-FD49-9533-4DBF4FF79827}"/>
+          </ac:inkMkLst>
+        </pc:inkChg>
+      </pc:sldChg>
+      <pc:sldChg chg="addSp">
+        <pc:chgData name="Toby Donaldson" userId="2e6e5431-bb17-4c41-9985-d39c50d83c73" providerId="ADAL" clId="{3520225A-7FAC-4461-9FDF-E7DA7C7B989D}" dt="2024-01-12T21:24:29.785" v="1361"/>
+        <pc:sldMkLst>
+          <pc:docMk/>
+          <pc:sldMk cId="3233947225" sldId="293"/>
+        </pc:sldMkLst>
+        <pc:inkChg chg="add">
+          <ac:chgData name="Toby Donaldson" userId="2e6e5431-bb17-4c41-9985-d39c50d83c73" providerId="ADAL" clId="{3520225A-7FAC-4461-9FDF-E7DA7C7B989D}" dt="2024-01-12T21:24:29.785" v="1361"/>
+          <ac:inkMkLst>
+            <pc:docMk/>
+            <pc:sldMk cId="3233947225" sldId="293"/>
+            <ac:inkMk id="7" creationId="{994221FF-815F-6A50-BD23-62AEA8B27C95}"/>
+          </ac:inkMkLst>
+        </pc:inkChg>
+      </pc:sldChg>
+      <pc:sldChg chg="addSp">
+        <pc:chgData name="Toby Donaldson" userId="2e6e5431-bb17-4c41-9985-d39c50d83c73" providerId="ADAL" clId="{3520225A-7FAC-4461-9FDF-E7DA7C7B989D}" dt="2024-01-12T21:24:29.785" v="1361"/>
+        <pc:sldMkLst>
+          <pc:docMk/>
+          <pc:sldMk cId="3233484088" sldId="295"/>
+        </pc:sldMkLst>
+        <pc:inkChg chg="add">
+          <ac:chgData name="Toby Donaldson" userId="2e6e5431-bb17-4c41-9985-d39c50d83c73" providerId="ADAL" clId="{3520225A-7FAC-4461-9FDF-E7DA7C7B989D}" dt="2024-01-12T21:24:29.785" v="1361"/>
+          <ac:inkMkLst>
+            <pc:docMk/>
+            <pc:sldMk cId="3233484088" sldId="295"/>
+            <ac:inkMk id="7" creationId="{B1F43FF1-A1BC-3072-F8A4-DD338EDCEC1C}"/>
           </ac:inkMkLst>
         </pc:inkChg>
       </pc:sldChg>
@@ -2953,7 +3052,7 @@
   <inkml:trace contextRef="#ctx0" brushRef="#br0">2117 15077 8703 0,'-4'0'0'16,"1"-4"0"-16,3 4 0 0,0 0-128 15,0 0 128-15,-2-3 0 0,-1 1 0 0,1-2 0 16,-5-1-160-16,2-3 32 0,-1 4 0 0,3-1 128 0,-2 1-224 0,-4 3 80 15,-3-3 16-15,1 4 128 16,1 4-224-16,0-4 80 16,-4 0 16-16,-2 0 128 0,5 0-208 0,-3 1 80 0,2-1 128 0,4 0-208 0,-3 0 720 0,2-1 160 15,2-3 32-15,-1 1 16 0,2-3-304 16,0 3-64 0,0-2-16-16,1 1 32 15,0 2-704-15,-2-5-144 0,2 6-32 0,-1-3 32 0,1 1 320 0,-2 1 160 0,2-1-160 0,-4 3 160 16</inkml:trace>
   <inkml:trace contextRef="#ctx0" brushRef="#br0" timeOffset="460.41">1835 14995 11055 0,'-4'8'480'0,"2"-1"112"0,1-1-464 0,-1-6-128 0,2 3 0 0,0-1 0 16,0-2 960-16,0 3 160 0,0 1 32 0,0-2 16 16,0 1-384-16,2-3-80 0,-1 0 0 0,5-3-16 0,-3-6-560 0,2 4-128 15,4-4 0-15,-6-3 0 0,3 5-272 0,-1-2-48 16,-2 0 0-16,-1 2 0 0,-2-1 176 0,0 2 144 16,-2 3-208-16,2 1 80 0,-5-1 384 0,2 3 96 15,-1 0 16-15,-1 0 0 0,0 0 384 0,-2 0 80 16,2 0 0-16,-2 3 16 0,0-1-240 0,3 1-48 15,-1-3-16-15,1 4 0 0,-1-2-160 0,0-2-16 16,3 0-16-16,0 0 0 0,2 0-224 0,-3 0-128 0,3 0 160 16,0 0-160-16,0 0 0 0,-2 0 0 0,2 0 0 0,-1 3-160 15,-1 1 160-15,2 1 0 16,-5 0 0-16,1 4-128 0,-1 0 128 0,-2 4 0 16,2 3 0-16,-4-2 0 0,0 4 432 0,0 1 16 0,-3 2 0 15,2 1 0-15,-4 4 192 0,2-3 32 16,3 3 16-16,-3 0 0 0,3 0 48 0,2 0 16 0,4 1 0 15,-1-5 0-15,4 1 128 0,4-6 16 0,4 6 16 0,3-2 0 16,4-2-272-16,-1 2-64 0,4-4-16 0,1 4 0 16,-19-21-368-16,42 37-192 0,-42-37 192 0,50 35-192 0,-50-35 0 15,0 0 0-15,87 48 0 0,-87-48 0 32,0 0-576-32,95 28-64 0,-95-28 0 0,0 0-16 0,115-5-1312 0,-115 5-256 0</inkml:trace>
   <inkml:trace contextRef="#ctx0" brushRef="#br0" timeOffset="1111.71">2690 15120 18431 0,'-12'2'1632'0,"3"1"-1312"0,8-3-320 0,1-3 0 0,1 3 0 0,3-5 0 16,-8 1 0-16,3-1-192 31,2-7-240-31,3-6-48 0,-3 4-16 0,3 1 0 0,-1-1-2416 16,-1 1-480-16,0 5-112 0,-2 2-16 0,-4 3 2800 0,-1 3 544 0,2 5 176 0,-9 2 0 0,1 4-240 0,-1 1 0 0,-2 2 0 0,-2 7 16 15,1-2 1824-15,-3 2 384 0,2 1 64 0,-1 1 0 16,0 3 560-16,3-3 96 16,0 3 32-16,3 0 0 15,3 0-992-15,1 0-192 0,1 0-32 0,3 2-16 0,-1 2-688 0,3 1-144 16,1 1-32-16,1-6 0 0,3 5-464 0,-1-5-176 16,3 4 0-16,1-8 144 0,1 1-144 0,3-2 0 15,3-7 0-15,1 0 0 0,-15-14-160 0,0 0 160 16,0 0 0-16,81 21-144 0,-81-21-16 0,0 0 0 0,0 0 0 0,80-26 0 15,-80 26 336-15,0 0 64 16,47-44 16-16,-33 25 0 0,-6-2 192 0,-4 0 32 16,1-2 16-16,-1-3 0 0,-3-2-64 0,-1-1-16 0,-1-2 0 15,-3-1 0-15,1 1 0 0,-3-4 0 16,-1 0 0-16,2-1 0 0,0 2-192 0,-2 3-32 16,0 5-16-16,-2 7 0 0,1 1-320 0,-1 6-64 15,0 2-16-15,0 3 0 16,1 5-1216-16,-1-1-240 0,4 8-48 0,1-5-6864 15,4 3-1376-15</inkml:trace>
-  <inkml:trace contextRef="#ctx0" brushRef="#br0" timeOffset="1495.66">3277 15070 4607 0,'4'-2'400'0,"-4"-2"-400"0,5-1 0 0,-5 2 0 0,2 1 2176 0,0-1 336 16,-1-1 80-16,3-5 16 0,1-1 432 16,0-6 96-16,2 2 0 0,2 0 16 0,0 6-2096 0,-1 2-416 15,1-1-96-15,-4 7-16 0,4 0-528 0,-5 4-256 16,1 5 32-16,0-1 0 16,0 6-416-16,2 0-96 0,-7 4-16 0,4 3 0 0,1 1 416 0,-5 4 80 15,2 4 0-15,1 1 16 0,1 1 240 0,-3 4 128 16,3 2 0-16,-1-1-128 0,6 3 656 0,-4-5 32 0,-1-2 0 15,1-9 0-15,4 3-160 0,-4-10-16 0,2 4-16 16,2-7 0-16,-2-5-16 0,0-1 0 0,1-3 0 0,-1-1 0 16,0-4-32-16,2-5 0 0,0-4 0 15,-1-3 0-15,3-6-112 0,1-8-16 0,2-2-16 16,0-6 0-16,2-5-64 0,-2-1-16 0,-1-3 0 0,0-3 0 16,-1 3-224-16,-2-1 0 0,3 4 0 0,-10 0 0 31,2 5-256-31,0 7-160 0,-5 6-32 0,0 4 0 15,-3 6-1376-15,-2 7-288 0</inkml:trace>
+  <inkml:trace contextRef="#ctx0" brushRef="#br0" timeOffset="1495.68">3277 15070 4607 0,'4'-2'400'0,"-4"-2"-400"0,5-1 0 0,-5 2 0 0,2 1 2176 0,0-1 336 16,-1-1 80-16,3-5 16 0,1-1 432 16,0-6 96-16,2 2 0 0,2 0 16 0,0 6-2096 0,-1 2-416 15,1-1-96-15,-4 7-16 0,4 0-528 0,-5 4-256 16,1 5 32-16,0-1 0 16,0 6-416-16,2 0-96 0,-7 4-16 0,4 3 0 0,1 1 416 0,-5 4 80 15,2 4 0-15,1 1 16 0,1 1 240 0,-3 4 128 16,3 2 0-16,-1-1-128 0,6 3 656 0,-4-5 32 0,-1-2 0 15,1-9 0-15,4 3-160 0,-4-10-16 0,2 4-16 16,2-7 0-16,-2-5-16 0,0-1 0 0,1-3 0 0,-1-1 0 16,0-4-32-16,2-5 0 0,0-4 0 15,-1-3 0-15,3-6-112 0,1-8-16 0,2-2-16 16,0-6 0-16,2-5-64 0,-2-1-16 0,-1-3 0 0,0-3 0 16,-1 3-224-16,-2-1 0 0,3 4 0 0,-10 0 0 31,2 5-256-31,0 7-160 0,-5 6-32 0,0 4 0 15,-3 6-1376-15,-2 7-288 0</inkml:trace>
   <inkml:trace contextRef="#ctx0" brushRef="#br0" timeOffset="2086.79">4121 15054 21183 0,'-11'10'944'0,"4"-4"192"0,2 1-912 0,2-6-224 15,3 3 0-15,0 1 0 0,0-1 1072 0,-2 1 160 32,2 10 48-32,0-1 0 0,0 9-976 0,0-2-304 0,0 2 160 0,0-1-160 31,0 1-1456-31,2 3-368 0,1 0-80 0,-3 0-16 0,0 0 64 0,-3 2 16 0,1 2 0 0,-7 1 0 0,2-1 1600 0,2-2 240 15,0-2 208-15,0-4-32 0,3-1 1040 0,0-10 192 16,4 1 64-16,0-9 0 16,3-3-480-16,-3-3-96 0,5-2 0 0,-4-7-16 0,4 1-480 0,0-5-80 15,2-3-32-15,-1-5 0 16,-2-4-288-16,2-7 0 0,-2-1 0 0,-1-8 0 16,2-3 0-16,-2-3-144 0,2 1 16 0,-2-2 0 15,4 1-112-15,0-2-16 0,-1 3 0 0,1 0 0 31,5 2-384-31,-2 3-96 0,2 3-16 0,0 6 0 16,-4 9-96-16,-1 5-32 0,0 10 0 0,-2 4 0 0,-2 11 528 0,0-1 96 0,-3 6 32 0,3 1 0 16,-5 8 1184-16,6-1 224 0,-3 6 48 0,2 3 16 15,0 0 288-15,1 6 48 0,1 2 16 0,1 1 0 0,-4 9-1104 16,3-4-224-16,0 0-32 0,-4 7-16 16,3-2-896-16,-6 4-176 0,1 0-48 0,-1-1-6144 15,0-4-1216-15</inkml:trace>
   <inkml:trace contextRef="#ctx0" brushRef="#br0" timeOffset="2607.57">5050 13993 3679 0,'-13'0'320'0,"5"0"-320"0,2 0 0 0,3 0 0 16,3 0 3424-16,0 0 608 0,0 0 128 0,2 0 32 0,-1 4-2400 0,1-4-464 0,2 5-112 0,-1-2 0 31,2 6-1984-31,-3 2-384 0,0-3-64 0,0 8-32 15,1-2-784-15,-3 3-144 0,0 1-48 0,-3 1 0 16,-1 5 1248-16,-1 1 240 0,0 4 48 0,-4 3 16 0,4-1 2400 0,-4 7 464 16,0 6 112-16,2 1 0 0,2 7 480 0,0 6 96 0,-2 5 0 0,2 6 16 15,1 1-1008-15,3 1-208 0,-3 4-32 0,2-3-16 16,2 3-896-16,0-6-176 0,2 3-48 0,2-11 0 16,-3 0-512-16,6-11-224 15,-5-1 16-15,5-6 0 16,-5-4-1376-16,5-8-272 0,-6 0-48 0,3-4-11248 0</inkml:trace>
   <inkml:trace contextRef="#ctx0" brushRef="#br0" timeOffset="2893.26">4673 14622 14735 0,'-15'0'1312'0,"2"-3"-1056"0,5 3-256 0,4-4 0 0,4 4 2208 0,2-2 384 0,3-1 80 0,-1-1 16 15,6-1-192-15,-10 5-16 16,0 0-16-16,0 0 0 16,87-31-1856-16,-87 31-368 0,0 0-80 0,94-12-16 15,-94 12-1136-15,0 0-224 0,119-14-64 0,-119 14 0 16,0 0-448-16,120-6-80 0,-120 6-32 0,84 2 0 15,-84-2 848-15,82 12 160 0,-82-12 48 0,97 21 0 0,-97-21 976 0,110 19 208 16,-110-19 48-16,111 14 0 0,-111-14-640 0</inkml:trace>
@@ -2980,7 +3079,7 @@
   <inkml:trace contextRef="#ctx0" brushRef="#br0" timeOffset="13165.6">9767 13680 11055 0,'-9'-9'976'0,"4"0"-784"0,1 1-192 0,1-1 0 16,3 7 1968-16,0-5 336 0,0 2 80 0,-2-7 16 15,0-6-848-15,1-1-160 0,1-2-48 0,-6 2 0 16,-1 5-2256-16,-1 2-464 0,-1 9-96 0,-1 1 0 16,-6 4-640-16,-2 6-112 0,-1 4-16 0,-3 8-16 15,-1-5 1168-15,-1 4 256 0,-1 8 32 0,1-1 16 0,5 0 2176 0,-6 2 432 16,6 1 96-16,2-1 0 0,3-2 400 0,0 0 80 0,5 1 16 0,2-5 0 15,4-1-752-15,1-2-160 16,5 2-32-16,3-3 0 0,2-1-928 0,3-3-192 16,1 0-32-16,-12-14-16 0,0 0-528 0,0 0-96 15,0 0-32-15,84 24 0 16,-84-24-784-16,0 0-144 0,0 0-48 0,92-29 0 16,-92 29-16-16,0 0 0 0,68-49 0 0,-68 49 0 15,42-45 640-15,-25 20 128 0,1 3 32 0,-3-5 0 16,1 5-176-16,-2-4-48 0,0 0 0 0,0-1 0 15,-4 1-208-15,1-2-48 0,1 2-16 0,-3 4 0 0,-1 1 1040 0,1 3 144 0,1 8 64 0,3 1 16 16,-5 0 784-16,-2 6 144 0,2 6 48 0,1-3 0 0,-4 6-224 0,4-1-32 16,-2 4-16-16,2 3 0 0,1-3-144 0,-1 3-16 15,0 2-16-15,-4 0 0 0,3 3-432 16,-1 0-64-16,-1 1-32 0,2-8 0 16,-2 2-16-16,2-3 0 0,5 0 0 0,-13-9 0 0,0 0 48 0,0 0 0 15,0 0 0-15,80-18 0 16,-80 18-1024-16,0 0-208 0,62-40-48 0,-62 40 0 15,0 0-624-15,53-43-128 0,-53 43-16 0,26-31-16 16,-17 22 912-16,-1-5 192 0,1 2 48 0,-6-2 0 0,3 2 864 0,2 3 176 16,-6 4 48-16,2-1 0 0,-1 3 672 0,-1 3 144 0,-2 5 32 0,0 4 0 15,-2 0-800-15,2 6-160 0,-3 4-16 16,-1-1-16-16,-1 4-160 0,0 1-128 0,-4 7 144 0,0 1-144 16,1 7 320-16,-6-1-48 0,-4 3 0 0,3 7 0 15,1-2 432-15,0 8 64 0,0 4 32 0,0-3 0 16,5-2 464-16,2-3 80 0,4 0 32 0,1-11 0 15,2-6-576-15,-4-3-112 0,3-6-32 0,-3-4 0 32,1-2-848-32,-1-1-192 0,-1-9-16 0,0-4-16 0,1-3-224 0,2-5-32 0,-1-7-16 15,3-2 0-15,0-3 352 0,0-9 64 0,3-9 16 0,3-2 0 32,2-10-224-32,-2-2-32 0,2 1-16 0,1-5 0 15,3-1-320-15,2-7-64 0,0 2-16 0,4-5 0 16,2 1-272-16,7 2-48 0,-3 4-16 0,6 4 0 15,-2 8-208-15,-1 5-64 0,1 2 0 0,-7 6 0 16,-2 6 480-16,-1 4 96 0,-6 8 0 0,-3 5 16 0,1 5 944 0,2 4 128 0,-3 6 48 0,0-3 16 16,1 6 1472-16,2-4 320 0,-1 7 48 0,1-3 16 15,0 0-608-15,-12-9-112 0,0 0-32 0,42 40 0 16,-42-40-944-16,0 0-192 0,35 40-32 0,-23-26-128 16,-7-2 0-16,-1 5-352 0,-4-3 48 0,-5 4 16 0,-2-4 0 0,-7 1 0 15,0-4 0-15,-4 4 0 16,-4-1 448-16,1-3 96 0,-2 4 0 0,2-4 16 0,2-2 496 15,-4-2 112-15,6-2 16 0,0-2 0 16,1-3-512-16,5-3-112 0,3 3-16 0,1-4-7024 16,5-4-1408-16</inkml:trace>
   <inkml:trace contextRef="#ctx0" brushRef="#br0" timeOffset="13677.97">10544 13565 3743 0,'9'9'0'0,"-6"-1"144"0,-1 1-144 0,1 0 208 0,1-4-208 0,-4 0 0 15,5 2 0-15,-1 7 0 0,3 7 1040 0,1 3 176 0,1 6 16 0,-2 1 16 0,2-1-608 0,-4-2-128 16,0-2-32-16,-1-4 0 0,-1 5 96 0,-3 2 0 16,0-1 16-16,-3-2 0 15,-3 4 576-15,-1-2 112 0,-3 3 32 0,1 2 0 0,-5 0 224 0,-1 2 32 16,-3 0 16-16,4 0 0 0,0-4-128 0,-3 4-32 31,3 0 0-31,-3-4 0 0,-1 0-304 0,2-4-64 16,3-1-16-16,-1-4 0 0,1-1-768 0,3-7-144 15,1 0-128-15,6-5 144 0,-1-4-144 0,4-5 0 0,2 0-192 16,3-5 192-16,4-4-368 0,1-1 48 0,6-6 16 16,-2-7 0-1,7-3-336-15,2-5-64 0,3 0 0 0,-2-4-16 16,2-2-368-16,4-6-64 0,1-4 0 0,4-7-16 16,-4-2 16-16,1-7 16 0,-1 0 0 0,-1-6 0 0,-4-1 640 0,0 4 128 0,-3 0 32 0,-2 12 0 15,-2 5 336-15,-5 14-144 0,-2 9 144 0,-7 3 0 16,0 9 0-16,2 2 128 0,-1 4 0 0,-3 4 16 15,6 2 512-15,-4-1 112 0,-5 3 0 0,0 0 16 16,0 0-384-16,0 0-80 0,0 0 0 0,89 12-16 16,-89-12-976-16,0 0-192 0,0 0-32 0,70 28-16 15,-56-16-432-15,-2 5-64 0,-2 3-32 0,-1 1 0 0,-2 5 1168 16,-5 2 272-16,1 1 0 0,1 2 0 0,-10 1 656 0,3-1 160 16,-4-1 16-16,-2-1 16 0,0-4 320 0,-1 1 64 15,1 0 16-15,-5-3 0 0,0-2-272 0,2-2-48 16,-2-4-16-16,2-6 0 0,-5-7-528 0,-1-2-128 15,4-5 0-15,-8-4-16 16,-1-5-1104-16,2-7-224 0,-5-5-32 0,3-2-16 16,-1-2-768-16,0-1-144 0,-1-4-48 0,1-5 0 15,3 4 688-15,-5-3 144 0,3 5 32 0,2 6-3792 0</inkml:trace>
   <inkml:trace contextRef="#ctx0" brushRef="#br0" timeOffset="14382.93">11590 12748 22111 0,'0'5'1968'0,"0"-1"-1584"16,0-3-384-16,0 3 0 0,3 1 896 0,-3 0 112 0,0 8 16 0,-3 4 0 15,3 9-864-15,-6 2-160 0,-1 5 0 0,2 0 0 16,2 2-1600-16,-4 0-224 0,3 0-48 0,1 5-16 16,-1 0 1392-16,2 9 288 15,-1-1 48-15,3 5 16 0,3-1 1792 0,-1-3 352 0,5-1 80 0,-5-4 16 16,5-1-640-16,-7-3-128 0,0-3-32 0,0 1 0 15,0-1-736-15,0-2-160 0,-4 0-16 0,3-4-16 0,-1-1-368 0,2-8 0 32,0-3 0-32,0-3 0 0,3-6-192 0,1-3 64 0,1-1 0 15,0-6 0-15,4 0 128 0,-2-4 0 0,3-5 0 0,-10 9 0 16,0 0-272-16,42-31-80 0,-26 14-16 0,-16 17 0 16,35-37-208-16,-21 11-64 0,1 0 0 0,-6 0 0 15,0 0 176-15,-2 0 16 16,-4 3 16-16,-3-3 0 0,0 7 640 0,-1-6 128 0,-3 3 32 0,1 4 0 15,-3 1 832-15,1 1 160 0,-4 0 48 0,1 6 0 16,-4 1-480-16,-1 2-96 0,-1 6 0 0,0-3-16 16,1 8-624-16,-1 1-192 0,1 3 128 0,-2 6-128 0,-1 2 0 0,2 3-144 0,2 4 16 15,-6 3 0-15,5 5-32 0,-5 4 0 0,2 5 0 16,6 7 0 0,-4 2 800-16,7 0 144 0,5 0 48 0,8 3 0 15,2-3 128-15,10-4 48 0,4-7 0 0,-22-38 0 16,70 61-704-16,-70-61-144 0,85 42-32 0,-85-42 0 0,91 17-1056 0,-91-17-224 15</inkml:trace>
-  <inkml:trace contextRef="#ctx0" brushRef="#br0" timeOffset="14947.34">12484 12781 15663 0,'-4'7'1392'0,"-3"-5"-1120"0,5 1-272 0,-1-3 0 16,3 4 2272-16,3-3 400 0,-3 3 80 0,0 1 0 15,0 2-1216-15,0 7-240 0,-3 0-48 0,-2 7-16 32,-4-2-1808-32,-5 4-352 0,2 3-80 0,-6 3-16 15,4-1-112-15,-3 7-16 0,0 0-16 0,-4-4 0 16,3 4-688-16,1 0-144 0,3-4-32 0,3 1-5792 0</inkml:trace>
+  <inkml:trace contextRef="#ctx0" brushRef="#br0" timeOffset="14947.35">12484 12781 15663 0,'-4'7'1392'0,"-3"-5"-1120"0,5 1-272 0,-1-3 0 16,3 4 2272-16,3-3 400 0,-3 3 80 0,0 1 0 15,0 2-1216-15,0 7-240 0,-3 0-48 0,-2 7-16 32,-4-2-1808-32,-5 4-352 0,2 3-80 0,-6 3-16 15,4-1-112-15,-3 7-16 0,0 0-16 0,-4-4 0 16,3 4-688-16,1 0-144 0,3-4-32 0,3 1-5792 0</inkml:trace>
   <inkml:trace contextRef="#ctx0" brushRef="#br0" timeOffset="15136.83">12829 12785 29487 0,'-18'34'1296'0,"4"-11"288"0,5 0-1264 0,6-6-320 16,-1-5 0-16,4-7 0 0,0 9 128 0,-1 7-128 0,1 11 192 0,0 8-192 15,0 3 0-15,-4 4 0 0</inkml:trace>
   <inkml:trace contextRef="#ctx0" brushRef="#br0" timeOffset="15533.02">13370 13331 31327 0,'-3'-5'2784'0,"3"0"-2224"15,0-2-560-15,2 7 0 0,5-2 1456 16,-6-1 176-16,6-2 32 0,2-4 16 0,2 2-1280 0,-11 7-256 15,0 0-144-15,0 0 160 16,0 0-3344-16,0 0-656 0,55 56-144 0,-49-39-32 0</inkml:trace>
   <inkml:trace contextRef="#ctx0" brushRef="#br0" timeOffset="15707.05">13269 14342 10127 0,'-21'26'896'0,"8"-9"-704"16,4-3-192-16,0-5 0 0,2 3 2624 0,-7 5 480 0,-14 18 96 0,-12 16 32 15,-9 15-544-15,1 0-96 0,6-10-32 0,5-7 0 16,8-4-2304-16,4-7-480 0,10-1-96 0,1-2 0 16</inkml:trace>
@@ -3065,6 +3164,174 @@
   </inkml:definitions>
   <inkml:trace contextRef="#ctx0" brushRef="#br0">2603 12670 18431 0,'-19'5'1632'0,"1"-2"-1312"0,10 1-320 0,3-2 0 16,5-2 848-16,-13 6 112 15,-4 0 0-15,-9 8 16 0,-13 0-400 0,-1 3-96 0,4-1-16 0,-1-6 0 16,8 2-464-16,2-3-160 16,-1-4 0-16,4 0 0 0,1-1 32 0,3-4 0 0,2 3 0 0,-1-3 0 15,-4-3 128-15,1 3 0 0,-3 0 0 0,3 0 0 16,-1 0 576-16,0 3 32 15,-1-1 16-15,5 2 0 0,-2 1 272 0,3 4 48 0,3-2 16 0,2 0 0 16,5 1-512-16,-1 4-112 16,4 2-16-16,-4 4 0 0,9-18-320 0,-3 47 0 15,3-47 0-15,-11 62 0 0,8-23 0 0,-3 1 0 16,3 2 0-16,-4-1-128 0,2 1 128 0,1 0 0 16,3 0 0-16,-3 1-128 0,2 1 128 0,2-44 0 0,6 87 0 15,-6-87-128-15,10 89 128 0,-10-89 0 0,19 89 0 0,-19-89 0 16,28 97 0-16,-28-97 224 0,35 101-48 15,-35-101-16-15,35 101 256 0,-35-101 48 16,36 98 16-16,-36-98 0 0,47 96-48 0,-47-96-16 0,60 85 0 16,-60-85 0-16,73 84-224 0,-73-84-64 0,89 80 0 0,-89-80 0 15,101 78-128-15,-101-78 0 0,111 63 0 0,-50-39 0 16,6-5-352-16,-1-1 48 0,9-6 16 0,-6-7 0 16,-1-5 288-16,-3-3 0 0,-6-3 0 0,-3 1 0 15,-4-2 352-15,2-3 128 0,-3-2 32 0,-1-6 0 16,4 4-256-16,0-8-32 0,2-5-16 0,-4 1 0 0,-3-5-208 15,-4 0 0-15,-1-8 0 0,-4-1 0 16,-2-3-816-16,-3-3-144 0,2 3-48 0,-11-6 0 0,0 0 880 0,-3-3 128 16,-6 0 0-16,-5-7 160 0,-1-2 768 0,-2-9 160 15,-4-1 16-15,-2-4 16 0,-3 3-784 0,0-1-144 16,-5 2-48-16,-4 1 0 0,1 2 112 0,-8-2 0 16,2-1 16-16,-3-2 0 0,-3 1-16 0,-9 3-16 15,-3 1 0-15,-2 3 0 0,-3 6-48 0,-3-2 0 16,-4 4 0-16,-3-4 0 0,-5-5-192 0,-6 5 0 15,-1 3 0-15,-7 9 0 0,0 4 0 0,-7 5 0 0,-4 2 0 0,-7 12 0 16,-8 6 0-16,-9 14 0 16,-14 9-208-16,-7 11 64 15,-4 16-816-15,-15 15-144 0,-12 16-48 0,-13 14-9408 16,10 5-1904-16</inkml:trace>
   <inkml:trace contextRef="#ctx0" brushRef="#br0" timeOffset="11841.56">5452 10418 13823 0,'-22'-6'1216'0,"6"1"-960"0,5-2-256 0,3 5 0 16,8 2 576-16,0 0 80 0,-13-8 16 0,5 4 0 15,-6-5-112-15,-4-1-32 0,-3-2 0 0,2 0 0 16,-2 1-320-16,2 2-64 0,-2 1-16 0,7-1 0 15,-3 4 880-15,5-2 160 0,1 2 48 0,11 5 0 0,-8-13-96 0,8 13-16 16,-9-8 0-16,9 8 0 16,-9-14-448-16,9 14-80 0,-9-23-32 0,9 23 0 0,-8-26-544 0,3 12 0 15,1-3 0-15,-1-1 0 0,1 1 0 0,4 17 0 16,-3-28 0-16,3 28 0 0,-5-30-144 16,5 30 144-16,-6-29-128 0,-2 15 128 0,1 0-128 0,-2 2 128 15,-1-2-128-15,-4 0 128 0,-4-4 0 0,-5 4-128 16,-3-1 128-16,-3 1 0 0,-3 2-320 0,-8 1 32 15,-3 3 0-15,-3 4 0 0,3-1 80 0,-6 1 16 16,2 4 0-16,5 0 0 0,4 4 432 0,1 1 80 0,2 4 32 0,1-1 0 16,2 1 384-16,1 3 80 15,1-1 16-15,-1 1 0 0,-4 2-208 0,0-5-48 16,-1 5 0-16,-8-2 0 0,0 2-128 0,-4-2-48 0,-1 5 0 0,5 1 0 16,4 1 256-16,0 2 48 0,5 1 16 15,4 5 0-15,10 2-192 0,7-1-32 0,9 7-16 0,5-35 0 16,-4 63-480-16,4-63 128 0,13 69-128 0,-13-69 0 15,22 66 0-15,-22-66-192 0,19 72 48 0,-19-72 0 16,23 66 144-16,-23-66 0 0,26 70 0 0,-26-70-128 16,30 75 128-16,-30-75 0 0,38 78 0 0,-38-78 128 0,45 85-128 0,-18-38 0 15,-1-1 128-15,5 2-128 16,4 1 0-16,-2 3 0 0,5 1 0 0,-3-5 0 0,5-8 0 0,-40-40-256 16,75 75 64-16,-75-75 0 15,84 63 192-15,-84-63-208 0,92 49 80 0,-92-49 128 0,98 35 0 0,-98-35 160 16,101 12 16-16,-101-12 0 0,103 0 80 0,-103 0 32 15,97-18 0-15,-97 18 0 0,93-29-144 0,-46 6-16 16,-4 4-128-16,1-7 192 0,1 0-192 0,-1-6 144 16,6-2-144-16,2-5 128 15,4-3-128-15,2-8 0 0,-1-4 0 0,-6-4 0 0,-1 6 0 0,-4-2 0 0,-3-1 0 0,-3-3 0 16,-1 4 0-16,-3-7 0 0,-1 2 0 0,-4-6 0 16,-4 3 0-16,-5-4 0 15,-4-1 0-15,-10-2 0 0,-2 2 0 0,-12-2-176 16,-11-3 176-16,-18-2-128 0,-10-1-16 0,-28 7 0 0,-20 3 0 0,-41 11 0 31,-38 7-288-31,-36 19-48 0,-29 14-16 0,-31 20-16160 16</inkml:trace>
+</inkml:ink>
+</file>
+
+<file path=ppt/ink/ink13.xml><?xml version="1.0" encoding="utf-8"?>
+<inkml:ink xmlns:inkml="http://www.w3.org/2003/InkML">
+  <inkml:definitions>
+    <inkml:context xml:id="ctx0">
+      <inkml:inkSource xml:id="inkSrc0">
+        <inkml:traceFormat>
+          <inkml:channel name="X" type="integer" max="30347" units="cm"/>
+          <inkml:channel name="Y" type="integer" max="20231" units="cm"/>
+          <inkml:channel name="F" type="integer" max="65535" units="dev"/>
+          <inkml:channel name="T" type="integer" max="2.14748E9" units="dev"/>
+        </inkml:traceFormat>
+        <inkml:channelProperties>
+          <inkml:channelProperty channel="X" name="resolution" value="1000.23071" units="1/cm"/>
+          <inkml:channelProperty channel="Y" name="resolution" value="1000.04944" units="1/cm"/>
+          <inkml:channelProperty channel="F" name="resolution" value="0" units="1/dev"/>
+          <inkml:channelProperty channel="T" name="resolution" value="1" units="1/dev"/>
+        </inkml:channelProperties>
+      </inkml:inkSource>
+      <inkml:timestamp xml:id="ts0" timeString="2024-01-12T21:06:34.102"/>
+    </inkml:context>
+    <inkml:brush xml:id="br0">
+      <inkml:brushProperty name="width" value="0.05292" units="cm"/>
+      <inkml:brushProperty name="height" value="0.05292" units="cm"/>
+      <inkml:brushProperty name="color" value="#FF0000"/>
+    </inkml:brush>
+  </inkml:definitions>
+  <inkml:trace contextRef="#ctx0" brushRef="#br0">22228 13829 10127 0,'0'1'896'0,"0"-2"-704"15,1-1-192-15,1-3 0 0,3 1 192 0,-5-1 16 0,6-5 0 0,1-8 0 31,-7 18-592-31,24-47-112 0,-14 17-16 0,1 6-16 0,-2 3 528 0,-4 2 176 0,0 5 0 0,-3 4 16 32,-2 1-2304-32,-2 5-448 0,-5 3-112 0,-2 2 32 0,1 3 3376 0,-3 1 672 0,-1 2 144 0,2 0 64 0,-3 5 16 0,-1-3 0 15,2 3 0-15,-2 0 0 0,4-3-480 0,-1-2-112 16,1 4-16-16,-1-6 0 0,1 3-512 0,1-2-128 16,-1-3 0-16,1 1-16 15,-3 4-880-15,0-2-192 0,-1 2-16 0,-2-1-16 16,-1 2-16-16,-1 5 0 0,-1 0 0 0,-4 0 0 0,-1 1 560 0,0 6 192 15,-5 2 0-15,2 1-144 0,-2 1 576 0,-1 4 112 16,-3 3 32-16,1-3 0 0,1 6-384 0,1-2-64 16,1 2 0-16,0-5-128 0,2 5 208 0,3-9-64 15,1 3-16-15,2-6 0 0,5-4 352 0,-3-2 64 16,8 3 16-16,1-5 0 0,0-1-560 0,2-2-304 0,4 2 48 0,-6 0 0 31,4 0-624-31,2-2-112 0,-3 6-32 0,1-1 0 0,2 2 608 0,-1-1 112 16,2-2 32-16,2-1 0 0,0-1 784 0,0 0 144 15,2 0 48-15,2-2 0 0,1 0 64 0,2 1 32 0,-2-5 0 16,4 4 0-16,1-5-448 0,1 4-96 16,-11-11 0-16,0 0-16 0,0 0-240 0,0 0 0 0,62 33 0 0,-62-33 0 15,0 0 0-15,0 0-128 0,0 0 128 0,72 23 0 16,-72-23 0-16,0 0 0 0,0 0 0 0,0 0 0 0,68 29 400 0,-68-29 96 16,0 0 16-16,45 35 0 15,-45-35 368-15,0 0 80 0,44 40 0 0,-44-40 16 16,0 0-224-16,55 30-48 0,-55-30-16 0,0 0 0 0,72 8-368 0,-72-8-80 15,0 0-16-15,87-12 0 0,-87 12-224 0,0 0 0 16,85-31-144-16,-85 31 144 0,0 0-224 0,74-26 48 16,-74 26 16-16,0 0 0 15,0 0 160-15,88-12 0 0,-88 12 0 0,0 0 128 16,0 0 192-16,86 10 64 0,-86-10 0 0,0 0 0 16,0 0-80-16,89 14-16 0,-89-14 0 0,0 0 0 15,76 12-288-15,-76-12 0 0,0 0 0 0,82 4 0 16,-82-4 0-16,0 0 0 0,93-2-192 0,-93 2 192 15,0 0-192-15,82-4 48 0,-82 4 16 0,0 0 0 16,0 0 128-16,90 2 0 0,-90-2 0 0,0 0 0 0,0 0 0 0,89 19 128 16,-89-19-128-16,0 0 176 15,0 0-48-15,91 21-128 0,-91-21 192 0,0 0-64 0,66 19-128 0,-66-19 0 16,0 0 0-16,71 28 0 0,-71-28 0 0,0 0 0 16,79 25 0-16,-79-25 0 0,0 0 0 0,85 17 0 15,-85-17 0-15,0 0 0 0,85 5 0 0,-85-5 0 16,0 0 0-16,86-3 0 0,-86 3 0 0,0 0 0 15,80-16 0-15,-80 16 0 0,0 0 0 0,84-21 0 16,-84 21 0-16,0 0 0 0,85-17 0 0,-85 17 0 16,0 0 0-16,82-16 0 0,-82 16 0 0,0 0 0 15,84-7 0-15,-84 7 0 0,0 0 0 0,82-12 0 16,-82 12 0-16,0 0 0 0,76-4 0 0,-76 4 0 16,0 0 0-16,0 0 0 0,96 2 0 0,-96-2 0 15,0 0 0-15,73 11 0 0,-73-11 0 0,0 0 0 0,0 0 0 0,93 5 0 16,-93-5 0-16,0 0 0 0,0 0 0 15,97-16 0-15,-97 16 0 0,0 0 0 0,75-21 0 0,-75 21 0 16,0 0-224-16,77-26 32 0,-77 26 0 0,0 0 0 16,78-24 16-16,-78 24 16 0,0 0 0 0,0 0 0 15,89-5 160-15,-89 5 0 0,0 0-144 0,0 0 144 16,73 8 0-16,-73-8 0 0,0 0 0 0,0 0 0 16,77 11 0-16,-77-11 0 0,0 0 0 0,0 0 0 15,78 0 0-15,-78 0 0 0,0 0 0 0,0 0 0 16,84-14 0-16,-84 14 0 0,0 0 0 0,0 0 0 0,71-37 0 0,-71 37 0 15,0 0 0-15,0 0 0 0,72-47 0 0,-72 47 0 16,0 0 0-16,54-43 0 0,-54 43 0 0,0 0 0 16,49-44-144-16,-49 44 144 15,0 0 0-15,0 0 0 0,48-47 0 0,-48 47 0 0,0 0 0 0,0 0 0 16,0 0 0-16,0 0 0 0,0 0 0 0,27-47 128 16,-27 47-128-16,0 0 144 0,0 0 192 0,0 0 48 15,27-49 0-15,-27 49 0 0,0 0-384 0,30-48 144 16,-30 48-144-16,0 0 0 15,25-46-304-15,-25 46-160 0,0 0-48 0,0 0 0 16,22-45-64-16,-22 45-32 0,0 0 0 0,0 0 0 0,0 0 256 0,0 0 48 0,0 0 16 0,0 0 0 16,0 0 288-16,0 0 0 0,0 0-128 0,0 0 128 15,0 0 0-15,0 0 0 0,0 0 128 0,0 0-128 16,0 0 128-16,79-17-128 0,-79 17 0 16,0 0 144-1,0 0-560-15,0 0-112 0,0 0-32 0,0 0 0 16,0 0-32-16,64-34-16 0,-62 29 0 0,0 2 0 0,-1 1 608 0,-1 0 0 15,0 1 0-15,-1-1 192 0,-1 0 192 0,-2 2 32 0,-1-2 16 16,0 2 0-16,-2 0 496 0,0-3 96 0,0 3 32 0,0-4 0 16,-3 3-32-16,1-1-16 0,0-2 0 0,2-1 0 15,-2-4-208-15,1 4-32 0,-1-5-16 0,-3 3 0 0,1-5-416 0,-1 3-80 16,-2-5 0-16,-3 2-16 0,-1 3-64 16,-1-3-16-16,-2 1 0 0,-1-1 0 15,-3-2-16-15,-1 4 0 0,0-4 0 0,-4 3 0 16,4 1-16-16,-5-2-128 0,-1 5 192 0,1-5-64 0,1 6-128 0,3-2 0 15,-3-1 0-15,4 4 0 0,-4-4 0 16,4 2 0-16,2-2 0 0,-1-1 0 0,4-4 0 0,-1-2 0 16,1-3 0-16,-4-2 0 15,3 0 0-15,-4 0 0 0,-1 2 0 0,0-2-176 0,-3 4 0 0,-1-2 0 16,-3 0 0-16,0 1 0 0,2 3 176 0,1-1-192 0,-2 4 192 0,0-4-192 16,3 2 192-16,-3-3 0 0,3 4 0 0,-1 0 128 15,0 0 720-15,-3 6 160 16,3-5 16-16,-4 7 16 15,2 0-1600-15,-3-2-320 0,1 5-64 0,-5 0-16 0,0 1 688 0,1 1 128 16,-1-2 144-16,0-2-208 0,3-1 208 0,1 0 0 16,1 1-160-16,2-6 160 0,3 3 736 0,-5-5 224 0,6 1 32 0,-1 1 16 31,1 3-1840-31,-1-4-352 0,0 6-80 0,1-2-16 0,-1 0 896 0,-3 4 192 0,2-1 16 16,-1-1 16-16,-4 0 160 0,-1 3 0 15,2-1 0-15,-3-1 0 0,-1 1 0 0,3-1-160 0,-1 1 160 0,2-1 0 16,-1 3-176-16,-2 1 176 0,3 0-160 15,0-2 160-15,2 2-304 0,-4-2 48 0,4 2 0 0,0-2 0 0,3 1 96 0,-5-6 32 16,4 1 0-16,0-1 0 16,-1-1 384-16,1 1 96 0,-2-5 16 0,1 3 0 0,-1-2-80 0,0 3-16 15,5-1 0-15,-6 2 0 0,4 2 48 0,-1-2 16 16,1 3 0-16,2-1 0 0,0 2-16 0,2 1 0 0,0-2 0 16,1 1 0-1,3 1-320-15,-1 2 144 0,6 0-144 0,-2 0 0 16,1 0-240-1,2 2-144-15,3 1-48 0,-1 1-13648 0</inkml:trace>
+  <inkml:trace contextRef="#ctx0" brushRef="#br0" timeOffset="14813.51">22181 5251 5407 0,'-7'1'480'0,"-2"3"-480"0,5-1 0 0,4-1 0 15,-5-2 416-15,2 2-16 0,-6 1 0 0,-7 1 48 16,-1 4 256-16,-2-2 48 0,0-3 16 0,1 1 16 16,2-3-384-16,2 3-80 0,1-2 0 0,-3-1 16 15,2 3-336-15,-4-1-128 0,3 1 0 0,-3 5 128 0,-1-4-192 0,-2 0 64 16,0 5 128-16,0-3-176 15,-1 6 304-15,1-5 64 0,2 3 16 0,0-4 32 0,1 1-64 0,2-2-16 16,4-3 0-16,-2 4 32 0,4-3-192 0,-2-1-144 16,1 1 144-16,3-4-176 0,-1 0 32 0,2 0 0 15,-2 0 0-15,0 0 144 0,2 1-240 0,-1-1 80 16,1 2 16-16,-4 0 144 0,3 1-128 0,-1-1 128 16,-2 3 0-16,1-1 0 0,-1 1 0 0,1 2 0 15,0 0 144-15,-1-4 0 0,-1 6 96 0,0-4 16 16,0 4 0-16,-2 1 16 0,0 1-80 0,3-2 0 0,-4 5-16 0,-1-1 0 15,2-2 368-15,2 3 80 0,-4 0 16 0,4-2 0 16,1 4 192-16,-3-4 64 16,6 4 0-16,-1-4 0 0,4 2-192 0,-4 0-48 0,4-2 0 0,1 2 0 15,-3 0-416-15,2 0-96 16,0-2-16-16,3 2 0 0,-5 0 0 0,2-4-128 0,0 4 192 0,1-2-64 16,-3-1 192-16,2 3 48 15,2 0 0-15,1-4 0 0,-3 6 0 0,3-4 0 0,0-2 0 0,0 3 0 16,1-1-80-16,-1-2-16 0,0 2 0 0,2-1 0 15,0 1-16-15,2-2 0 0,0-1 0 0,1-2 0 16,1 2-64-16,1-2-32 0,2 1 0 0,-2-1 0 16,2-3-160-16,0 5 0 0,0-2 0 0,0-2 0 0,0 4 0 15,2-2 0-15,-4 1 0 0,2 1 0 0,2-4 208 16,-3 4-32-16,5-4-16 0,-2 4 0 0,1-4-16 0,2 0 0 16,2-3 0-16,0 1 0 15,2 1-144-15,1-1 0 0,-1-1 0 0,3 0 128 0,-1 1-128 0,1-3 0 16,-2 2 0-16,1 2 0 15,-1 4 0-15,0-4 0 0,1 1 0 0,-2 2 0 0,1-2 0 0,0 0 0 16,-17-5 128-16,0 0-128 0,0 0 336 0,0 0-16 16,96 34 0-16,-96-34 0 0,0 0-128 0,0 0-16 15,93 12-16-15,-93-12 0 0,0 0-16 0,0 0 0 0,97 8 0 0,-97-8 0 16,0 0 48-16,0 0 16 0,103 18 0 16,-103-18 0-16,0 0 0 0,0 0 0 15,96 24 0-15,-96-24 0 0,0 0-80 0,0 0 0 16,92 30-128-16,-92-30 192 0,0 0 0 0,0 0 0 15,103 14 0-15,-103-14 0 0,0 0 16 0,0 0 0 0,112 0 0 16,-112 0 0-16,0 0 16 0,94-18 0 0,-94 18 0 0,0 0 0 16,101-31-32-16,-101 31-16 15,0 0 0-15,103-37 0 0,-103 37-176 0,0 0 128 16,92-43-128-16,-92 43 128 0,0 0-128 0,82-42 0 16,-82 42 0-16,0 0 0 0,83-42 0 0,-83 42 0 15,0 0 0-15,77-38 0 0,-77 38 0 0,0 0 0 0,73-37 0 0,-73 37 0 0,0 0 0 16,72-34 0-16,-72 34 0 0,0 0 0 15,73-44 0-15,-50 28 0 0,-1 2 0 0,1-3 0 16,0 0 0-16,-4-1 0 0,0 1 0 0,-5-1 0 0,0 1 0 0,-2 0 0 16,0 1 0-16,-1 0 0 0,3 0 0 0,-7-1 0 15,3 1 0-15,-5 1 0 16,2-1-128-16,0 2 128 0,-5 2 0 0,0-2 0 0,-2 4 0 16,0-1 0-16,-2 2 0 0,0-1 0 0,-3 3 0 0,1-3 0 15,-1 3 0-15,2-6 0 0,-4 6 0 0,0-3 0 16,2-4 0-16,-2 5 0 15,0-5 0-15,-2 2 0 0,0 0 0 0,-1-4 0 0,1 2 0 0,-5 2 0 16,2 0 0-16,-6-2 0 0,1 4 0 0,-4-3 0 16,2 3 128-16,-7 0-128 15,3 1 128-15,-3 0 0 0,0 0 0 0,-2 1 0 0,2 1 80 0,0-4 16 0,1 6 0 16,-3-5 0-16,4 3-96 0,0-6-128 16,-3 3 176-16,1-4-176 0,-2 0 176 0,2 2-176 0,2-2 160 0,-2-2-160 0,1 2 0 0,-1 2 0 15,0 0 0-15,0 3 0 16,-2 1 0-16,-5 4 0 15,-2 2 0-15,-7 2 0 0,-6 4 0 0,-3 1 0 16,-5 5 0-16,2 3-160 16,2 1-224-16,-9 1-32 0,0 4-16 0,-2 1 0 15,4-5-368-15,-4-8-80 0,-3 0-16 0,-5-17-13584 0</inkml:trace>
+  <inkml:trace contextRef="#ctx0" brushRef="#br0" timeOffset="22900.21">29837 10805 1839 0,'-3'-3'160'0,"1"-1"-160"0,2 1 0 0,0-1 0 0,-1 2 0 0,-3 1 0 16,1-3 0-16,-3-5-176 0,1-1 176 0,-4-2 0 16,2 5 0-16,2-4 0 0,-4 6 192 0,3 0 128 0,-1 0 32 0,0-1 0 15,1 5 240-15,-2 1 48 16,1 0 16-16,1 0 0 0,-1 1-80 0,0 1-32 0,2 3 0 0,-2 1 0 31,0-3-16-31,4 2 0 0,-2 4 0 0,1-2 0 0,1 2-368 0,-1-2-160 0,1 1 128 0,1-1-128 16,-3-1 0-16,3 1 128 15,2 0-128-15,-2-4 0 0,4 6 176 16,0-4-48-16,-1 0-128 0,3-1 192 0,-2 4-192 0,1-1 0 0,-1 0 128 0,0 0-128 16,-1-2 0-16,-1 6 0 15,2-4 0-15,-4 5 0 0,-1-1 0 0,-1 4 0 16,1 1 0-16,-4 1 0 16,0 2 192-16,3 1 112 0,-4 1 16 0,1-1 0 15,0 1 480-15,3 0 96 0,3 2 32 0,1-4 0 0,3 2-16 0,4-4 0 16,0 3 0-16,3-3 0 0,-1-1-512 0,2-1-96 15,-1 1-32-15,-1 0 0 0,0-2-272 0,-1-1 0 16,-3 3-176-16,1 2 176 0,-1 1-144 0,-2-2 144 16,-1 2 0-16,-2 0-144 0,0 1 144 0,0-1 0 15,0 0 0-15,-2 0 128 0,-3 0 304 0,3-1 64 16,-1-1 16-16,-1-1 0 0,1 1-112 0,-2-1-16 16,1 1 0-16,-1-3 0 0,2 4-384 0,1-1 0 15,-3-1 0-15,5-1 0 0,-2 3 0 0,2-2 0 16,2-1 0-16,1 1 0 0,-1 0-128 0,3-3 128 15,0 1 0-15,4-3 0 0,-4 3 0 0,0-4 0 0,4 6 0 0,-4 0 0 16,2 1 0-16,-1 0 0 0,-3 3 0 0,1 0 0 16,-3-2-144-16,-1 1 144 0,0 0 0 0,-1 0 0 15,-1-1 0-15,-2 3 0 0,-1-2 0 0,0 4 0 16,0 1 0-16,1-3 0 0,-3 3-128 0,0-3 128 16,4 2 0-16,-1 3 0 0,-3 0 0 0,4-2 0 15,-2 4 0-15,3-3 128 0,-3 4-128 0,1-3 0 16,2 2 0-16,1-2 0 0,-1-1 0 0,0 3 0 0,2-2 0 15,0-5 0-15,0 0 0 0,0 1 0 0,0-3 0 0,2 0 0 16,0-3 0-16,-2 5 0 0,1-2 0 0,-1 2 0 16,-1 0 0-16,-1 2-160 0,0 1 160 0,-1 4 0 15,-3-2 0-15,-1 4-128 16,0-4 128-16,1 3 0 0,-1-1 0 0,1 4 0 0,-2-6 0 0,1 5 0 16,3-5 0-16,-5 4 0 0,4-6 0 0,2 4 144 15,-6-4-144-15,2 1 0 0,4 3 288 0,-4-4-48 16,3-1-16-16,2-4 0 0,1-2-224 0,1-5 0 15,1-5 0-15,1-3 0 0,3 1 0 0,2-8 0 16,2 1-208-16,0-2 64 0,-1-3-208 0,3-3-32 16,-2 5-16-16,1-6 0 0,2 6 208 0,-1 2 32 0,1-3 16 15,-5-1 0-15,5 6 144 0,-3-3 0 0,3 2 0 16,-2 2 0-16,1 2 0 0,-2-2 0 0,1 4 0 16,1-3 128-16,-1 5-128 0,4-1 0 0,-4 0 0 15,6 0 0-15,0 4 0 0,1-4 0 16,-1-3 0-16,1 2 0 0,-17-4-240 0,0 0 48 0,0 0 0 0,89 12 0 15,-89-12-112-15,0 0-16 0,91 1 0 0,-91-1 0 16,0 0 320-16,106 2 0 0,-106-2 0 0,0 0 0 16,101 0 0-16,-101 0 0 0,0 0 0 0,87 7 0 15,-87-7 320-15,0 0 0 0,0 0 16 0,96 19 0 16,-96-19 144-16,0 0 32 0,0 0 0 0,96 18 0 0,-96-18-288 16,0 0-48-16,80 8-16 0,-80-8 0 0,0 0-160 0,85 4 0 15,-85-4 0-15,0 0 0 0,93 3-176 0,-93-3 176 16,0 0-128-16,87 9 128 0,-87-9 0 0,0 0 0 15,0 0 0-15,108 7 0 0,-108-7 160 0,0 0-32 16,0 0-128-16,92 21 192 0,-92-21 144 0,0 0 32 16,63 24 0-16,-44-15 0 0,0-2-368 0,-19-7 0 15,0 0 0-15,0 0 0 0,75 24 0 0,-75-24 0 16,0 0 0-16,0 0 0 0,0 0 0 0,84-12-160 16,-84 12 160-16,0 0-208 0,0 0-80 0,0 0-16 15,0 0 0-15,0 0 0 0,0 0 176 0,0 0 128 16,0 0-192-16,0 0 192 0,0 0 0 0,0 0 224 15,0 0-16-15,0 0 0 0,0 0 416 0,0 0 80 16,0 0 0-16,0 0 16 0,12-19-368 0,-15 14-80 16,1-4-16-16,-1 0 0 0,1-3-256 0,-3 0 0 0,1-4 0 0,1-1-144 31,-3-2-224-31,3 0-32 0,-6-2-16 0,2 0 0 16,-2-4-48-16,-1 5-16 0,0-3 0 0,1 0 0 0,-3 1 480 0,-1-4 0 0,1-1 0 15,2-2 0-15,-1 1 384 0,1-5 80 0,1-2 16 0,0 0 0 16,2 0 64-16,1 0 16 0,0-8 0 0,1 3 0 15,2-5-416-15,1-4-144 16,-2 4 0-16,4-8 144 0,0 1-144 0,0-2 0 0,4-2 0 0,-2-3 0 16,-1 2 0-16,5-4 0 0,-1 3-128 0,2 1 128 0,-2 1 0 15,2 4 0-15,0 5-144 0,-2 1 144 0,0 8 0 16,2 0 0-16,-7 3-128 0,2 4 128 0,0 1 0 0,1-1 0 16,-1 3 0-16,2-5 0 0,3 3 0 0,-4-1 0 15,2-1 0-15,0 4 0 0,1 1-256 0,1 0 16 16,0 0 0-16,-2 2 0 15,-2 4-576-15,1 0-112 0,1-1-32 0,0 1 0 16,0-4 320-16,1 5 48 0,1-5 16 0,-4 1 0 16,2-1 64-16,-1 5 0 0,-1-3 16 0,1 2 0 0,-8 2 176 15,3 1 16-15,-5 3 16 0,1 1 0 0,-4 5 288 16,1 0 0-16,-4 4-128 0,-2 5 128 0,0 0 176 0,-4 0 80 0,1 2 32 16,-4 1 0-16,2 1 576 0,0-1 112 0,-1-1 32 0,-1 0 0 15,4-2-96-15,-2 0-16 0,1-2 0 16,3-1 0-16,3-6-448 0,1 2-112 15,-3-7-16-15,4 0 0 0,-1-3-320 16,1-4 0-16,-1-2 0 0,1-3 0 0,-1-4-224 0,-4 4-16 16,1-5 0-16,-4 5 0 0,3-2-48 0,-6 2-16 0,0 1 0 0,-5-2 0 15,-2 4 304-15,-2 0-192 0,-3-3 192 0,-2 3-160 16,0 4 160-16,-3-2 0 0,2 4 0 0,-5 0 0 16,1 3 0-16,0 1 0 0,0 3 0 0,2-4 0 15,0 2 0-15,-6-2 0 0,2-3 0 0,-1 3-128 31,-4 5-1152-31,1 5-240 0</inkml:trace>
+  <inkml:trace contextRef="#ctx0" brushRef="#br0" timeOffset="24776.45">30116 11026 4607 0,'0'0'400'16,"0"-2"-400"-16,0 2 0 0,0-1 0 15,2-1 208-15,0-2-32 0,0 1-16 0,-1-4 0 16,5-3-160-16,-1-3 0 0,0-1 0 0,0-1 0 0,4-1 0 0,-4 4-176 16,0-2 176-16,2 0-128 0,0 4 128 0,-1-3 0 15,-1 1 0-15,-2 4 0 16,1-3 0-16,-3 6 272 0,1 0-32 0,-2-2-16 0,-2 3 416 0,1 1 64 15,-3-3 32-15,2 1 0 0,-4 0-48 0,0 3-16 16,-1 2 0-16,-1-1 0 0,1 1-288 0,-4 1-48 16,1 1-16-16,-4 1 0 0,2 4-320 0,-1 0 0 15,-1-1 0-15,-1 4-128 0,3 2 128 0,-2-1 0 16,1 4-144-16,1 1 144 0,2 2 0 0,-1-1 240 0,3 2-48 16,-1 2 0-16,2-2 144 0,0 2 32 15,2 0 0-15,-2-2 0 0,3 0 96 0,1-1 32 16,-1-3 0-16,1 1 0 0,-1-2-64 0,3 0-16 15,1 0 0-15,0-5 0 0,-2 3 96 0,4-5 32 0,-2 3 0 0,0-5 0 16,1 1-32-16,1 1-16 0,0 0 0 0,0-4 0 16,3 4-64-16,-3-4-16 0,1 3 0 0,2-5 0 15,0 5-176-15,2-5-48 0,0-1 0 0,2 0 0 16,-2-1-192-16,4-5 144 0,-4 3-144 0,5-4 128 16,-5-3-128-16,1 1 0 0,1-2-160 0,-2 3 160 15,2-3-176-15,-4 1 176 0,2-1-192 0,0-1 192 0,-2 3-240 16,0-1 64-16,1 1 16 0,-5-1 0 15,3 5 160-15,-1-4 0 0,1 0 0 0,-1 2 0 0,3-3 0 0,-3 3 0 16,2-4 0-16,1 3 0 0,-1-3-240 0,-2 4 48 16,2-3 0-16,-1 3 0 0,3 0-48 0,-5 0 0 15,3 5 0-15,-3 2 0 16,1 0 112-16,-1 4 128 0,1 4-208 0,-3-1 80 0,0 2 128 0,0 0 0 16,0 3 128-16,0-2-128 0,2 4 208 0,-4-2-16 15,2 1-16-15,0 2 0 16,-3 4-176-16,-2-1 192 0,-1 5-192 0,1 1 192 0,-5 2-192 0,1-2 0 0,-3 4 0 15,0-2 0-15,-2 6 0 0,-4-4 0 16,1 3 0-16,-2-5 0 0,1 4 272 0,-1-4-16 16,2 3-16-16,-1-4 0 0,3 3-16 0,-1-6 0 15,5 1 0-15,-3-4 0 0,4-5-224 0,3-3 0 0,2 1 0 0,1-7 0 16,1 0 0-16,1-5 0 0,4-5-160 0,-2-2 160 16,5-3-272-16,-1-4 16 0,1-6 16 0,3-6 0 31,-1 0-144-31,7-7-16 0,-3-3-16 0,3-3 0 0,3 1 416 0,2-2-128 0,1 2 128 0,-1-1 0 15,2 3-304-15,0 3 32 16</inkml:trace>
+  <inkml:trace contextRef="#ctx0" brushRef="#br0" timeOffset="31691.96">30397 11216 911 0,'-2'0'0'0,"-1"0"0"0,1 0 0 0,0 0 0 16,2-3 336-16,0 3-16 0,-2 0 0 0,1 1 0 15,-1-1 144-15,0 2 32 0,0 2 0 0,1-3 0 0,1 6 352 0,0-3 80 16,0 1 16-16,0-3 0 15,0 5-432-15,0-2-96 0,0 0-16 0,1-3 0 0,1 5-272 0,0-4-128 16,3-1 0-16,-1 0 128 0,1-2 64 0,2 0 16 16,-2 2 0-16,2-2 0 0,-3 1-208 15,1-1 176-15,0 0-176 0,0 0 160 16,-3 2-160-16,0 1 0 0,1 3 0 0,-1-5 0 0,0 3 0 0,-1-1 0 0,1-3 0 0,2 2 0 16,-3 0 128-16,-1-2 80 0,0 2 32 0,2 1 0 15,-2-3 208 1,2 2 32-16,-2-2 16 0,2 0 0 15,-2 2-224-15,1-4-32 0,-1 2-16 0,2 0 0 0,-2-2-224 0,2-1 0 0,-2 1 0 0,0 0 0 16,2 0 0-16,-2-1 0 0,1-1 0 0,-1 1-160 16,4-4 160-16,-4 5 0 0,2-3 0 0,-2 0 128 15,1-2 272-15,-1 3 64 0,0 1 16 0,-1-2 0 16,-1-1 0-16,2 5 0 0,0-1 0 0,-4 2 0 16,3 0 224-16,1 2 32 0,0 1 16 0,0 2 0 0,0 2-336 0,0-1-64 31,1 2-16-31,3-1 0 0,-4 2-336 0,0 1 0 15,0 1 0-15,0-2 0 0,-4 5 0 0,4-8 0 16,-1 7 0-16,-1-6 0 0,0 3 0 0,2-5 0 16,-2 4 0-16,1-5-128 0,1-1 384 0,1-3 96 15,1-2 16-15,2-1 0 0,1-4-48 0,-2 2-16 16,3-4 0-16,0-2 0 0,1-3-304 0,2 4 0 16,0-4-128-16,-2-2 128 0,3 2 0 0,-3 2-144 0,0-2 144 15,-2 0 0-15,2 2 0 0,-3-2-128 0,3 0 128 0,-5 0 0 16,-2 6 0-16,0-4 0 0,0 3 0 0,-2-2 0 15,-2 6 0-15,1-2 0 0,-2-2 0 0,-1 4 0 16,1 2 0-16,-2-2 128 0,2 1-128 0,-2 4 128 16,2 0-128-16,-2 2 0 0,3 5 0 0,-4 0 0 15,2-2 0-15,3 7 0 0,-4-1 0 0,2-1 0 16,1 4 320-16,1-4 0 0,-2 6 0 0,-1 0 0 16,3-2 256-16,-1-4 64 0,3 4 0 0,-5 0 0 15,5-5-384-15,-1 3-64 0,2-7 0 0,-2 4-16 16,4-2-176-16,0-5 0 0,-1-1 0 0,6 1 0 15,-3-4 0-15,1 1 0 0,4-1 0 0,-4-3 0 16,0-4-144-16,4 5 144 0,-4-3 0 0,0-1 0 0,2 3 0 16,-5-2 0-16,3-2 0 0,-3 5 0 0,2-3 0 15,-4 0 0-15,1 4 0 0,-1-2 0 0,0-4 0 16,-1 6 0-16,-1-4 0 0,2-4 0 0,-2 6 0 0,2-6 0 16,0 4-128-16,0-5 128 0,0 5 0 0,0-1-128 15,0-1 128-15,0 5 0 0,-2 1 0 0,2-2 0 16,-1 3 0-16,-1 0 0 0,0 2 0 0,-3 2 0 15,1 0 0-15,1 1 0 0,-2 1 0 0,-1-3 0 16,0 3 0-16,0-1 0 0,-1 3 0 0,0-1 0 16,0 0 0-16,-1 0 0 0,1 6 0 0,1-4 0 0,-1 5 0 15,1-5 0-15,2 5-128 0,-1-7 128 0,3 4 0 16,0-4 0-16,4-1 0 0,-2-3 0 0,5-1 0 16,-3-1 0-16,5-1 0 0,0-2 0 15,2-1 0-15,1-2-160 0,-1 6 160 0,1-5 0 0,1 3 0 0,1-4 0 16,-2 3 0-16,3 1 0 0,1-1 0 0,-6 1-128 15,3-2 128-15,-4 1 0 0,1 1 0 0,-2 1 128 16,-3-1-128-16,-1 1 0 0,-2-2 0 0,0 3 0 16,-2 1 0-16,0 0 0 0,-1 0 0 0,-4 0 0 15,2 1 0-15,-1-1 0 0,-2 4 0 0,1-4 0 16,-2 2 0-16,0-4 0 0,4-2 0 0,-5 1 0 16,4 1 0-16,-1-1 0 0,1-1 0 0,0 1-128 0,3-1-144 15,-2 2-32-15,1 4 0 0,1 3 0 16,-3-1 176-16,5 1 128 0,-6 4-192 0,1 1 192 0,3-1 0 0,-1 1 0 15,-4 1 0-15,3-1 0 0,1 2 0 0,-1-3 0 16,0 2 0-16,3-6 0 0,2 4 0 0,0-6 0 16,3 1 0-16,1-6 0 0,1 0 0 0,2-1 0 15,0-3 0-15,2 1 0 16,-1 0 0-16,-1-6 0 0,2 6 0 0,2-7 0 0,-3 3 0 0,1-5 0 16,0 4 0-16,1-4 0 0,-10 14 0 0,0 0 0 0,0 0 0 0,37-59 0 15,-32 47 0-15,0-2 0 16,-1 7 0-16,-3 0 0 0,-1 1-320 0,-1 6 64 0,-3 6 0 0,-1-1 0 15,0 4 96-15,-6 6 32 0,3 3 0 0,-6 1 0 16,3 2 128-16,-1 1 0 0,2 3 0 0,3-6 0 31,0-2-1472-31,1-6-320 0</inkml:trace>
+  <inkml:trace contextRef="#ctx0" brushRef="#br0" timeOffset="33546.06">30636 11068 4895 0,'-9'0'448'15,"5"0"-448"1,4 0 0-1,0 0 0-15,0 0 0 0,-1 0 0 0,-6-2 0 0,-2 1 0 0,-1-1 0 0,-1 2 0 16,-5 0 0-16,6 0 0 0,-1 3 0 0,1-1 0 16,1-2 0-16,-3 2 0 0,5 1 0 0,-5 2 0 0,5-1 0 0,-2-1 0 0,2 1 0 0,4 5 0 31,-6-4 0-31,4 2 0 0,0 3 0 0,-1-3 0 0,3 5 0 0,1-5 0 16,2 2 0-16,0-2 0 15,2-3 352-15,0 1 48 0,-1-2 16 0,5-1 32 0,-5 0-256 0,-1-2-64 16,2 0-128-16,0-2 240 15,0-1-64-15,-2-3-16 0,1 1 0 0,1 2 32 16,-2-4 144-16,2-4 32 0,-2 1 0 0,2-1 32 16,-1-3 32-16,3-3 0 0,-4-2 0 0,2-2 32 15,-1-4-112-15,1-2-32 0,2-1 0 0,-1-4 48 16,0 3-176-16,1-4-48 0,-2-2 0 0,-1 0 48 16,3-3-192-16,-1 1-176 0,1 1 48 0,-1-5 128 0,-1 1-192 15,-2-3 192-15,2-4-208 0,-2-2 208 0,0-1-176 0,0-1 176 16,0 2-192-16,0-1 192 0,2 1 0 0,-2 0-176 15,0-1 176-15,1-4 0 0,-1 0-176 0,2-2 176 16,0 4-192-16,-2-4 192 0,2-1 0 0,-2 3 0 16,1 1 0-16,1 1 0 0,2 3 0 0,-4 1 0 15,1-1 0-15,-1 3 0 0,0-2 0 0,0-3 0 16,0 2 0-16,-1-3 0 0,-3 3 0 0,1-3 0 16,-3-2 0-16,1 0 0 0,-4 4-128 0,1-4 128 0,-3 0-160 15,1 1 160-15,-1 3-128 0,3 1 128 0,-3-3 0 0,4 0-144 16,-2 3 144-16,1-2 0 0,1 1 0 15,-2-1 0-15,4 1 0 0,-6-2 0 0,4 3 0 0,0 0 0 16,0-1 0-16,2 4 0 0,-3-1 0 0,2 2 0 16,3 0 0-16,-1-6 0 0,-1-1 0 0,3-2 128 15,-1-2-256-15,3-1-64 0,0-1 0 0,0 1 0 16,3 4-1568 0,-1 3-320-16,3-1-64 0,-3 1-16 0,3 6 1792 0,-1-4 368 0,-1 4 0 0,3-1 128 0,-1-2-128 15,0 1 0-15,0-4 0 0,0 3 0 0,2 0 0 0,2 5 0 16,-5 0 0-16,1 4 0 15,-2 0 0-15,1 1 0 0,1 6 0 0,-5 1 0 16,2 9 0-16,-4 2 0 0,2 5 0 0,0 2 0 0,-5 0 0 0,1 7 0 16,1-1 0-16,-1 1 0 15,1 3 688-15,-2 2 112 0,1 0 32 0,-3 2 0 16,4-2-272-16,-6 5-48 0,0-1-16 0,1-1 0 16,-3 1-496-16,-1 3 128 0,0-4-128 0,-2 2 0 0,-2-3 384 0,2 0 48 15,-2-4 0-15,-3 2 0 0,2 0 16 0,-4-2 0 0,-2 1 0 0,-1-1 0 16,3-2-192-16,-3-1-16 15,-3 2-16-15,0 1 0 0,0 0-224 0,1 1 0 16,-3 1 0-16,1 1 0 0,-4 1 0 0,-1 1 0 0,0 4 0 0,-2 0 0 16,4-1-176-16,0 1 176 15,-4 0-160-15,2-4 160 0,-2 4 0 0,-2-5 0 0,2-4 0 0,-1-5 0 16,1 2 0-16,0-9 0 16,2 3-192-16,-2-6 192 0,5 1-272 0,1-1 32 15,-4 0 16-15,3-3 0 0,4 1 224 0,-2-2 0 0,0 0 0 0,2-1 0 0,-5 1 192 0,1-2 96 31,0 2 16-31,-3 0 0 0,2 2-304 0,-2-3 0 0,-4-1-208 0,-6 2 80 16,1 4-528-16,-3 1-112 0,-4 2 0 0,3-2-16 16,-1 8 336-16,4-5 64 0,1 5 0 0,0-3 16 0,2 1 368 0,-2-1 0 15,1-1 0-15,-1 4 0 16,3-3 0-16,-4 4 0 0,1 0 0 0,-3-2 0 16,-4 8 192-16,-2-1-32 0,1 4-16 0,1-1 0 0,2 3 304 15,0 5 64-15,3-2 16 0,-1 3 0 16,1-1-400-16,1 5-128 0,3-6 0 0,0 6 0 15,0-1 128-15,1-5-128 0,4 4 0 0,1-5 0 0,1 2 560 0,1-4 48 16,3-3 16-16,1 0 0 16,3 1-400-16,1 1-80 0,-1-3-16 0,6 1 0 15,0 0-128-15,2 1 0 0,3-1 0 0,-2 2 0 16,2 3 0-16,2-2 0 0,0-2 0 0,3 3 0 0,0 2 0 0,1-2 0 16,1 4 0-16,0-3 0 15,-2 0-576-15,0 3 0 0,1 1 0 0,-1-2 0 0,2 1 176 0,0-1 32 0,3-2 16 0,1 3 0 31,3-3-176-31,-2 2-48 0,-1-2 0 0,6-4 0 0,-1 2 576 0,-2-1 0 0,3-2 160 0,1-1 0 16,6-1-160-16,-4-1 0 16,2-1 0-16,-1-2 0 0,2-1 0 0,0 2 0 15</inkml:trace>
+  <inkml:trace contextRef="#ctx0" brushRef="#br0" timeOffset="34091.73">27462 6282 3919 0,'-1'0'352'0,"-1"1"-352"0,0-1 0 0,2 2 0 16,-2-2 0-16,-3 0 0 0,0 0 0 0,-2 4 0 15,-5 1 0-15,0 0 0 0,1 0 0 0,1 4 0 0,-1-2 0 0,1-2 0 16,1 4 0-16,-1-2 0 0,1-2 0 0,0 2 0 15,0-2 128-15,1-1-128 0,-1-1 0 0,2 1 0 0,2-1 0 16,-2-1-160-16,3 2 160 0,-3-3 0 16,4 1 0-16,-2 1 0 0,3 4 0 0,-5-1 0 0,3-1 0 0,1 4 0 15,-1-2 320-15,3 5 192 0,1-4 16 0,0 3 16 16,1-4-96-16,3 2-32 16,3-1 0-16,0-2 16 0,2 2 160 0,1-3 48 0,1-3 0 0,1 5 0 15,2-3 48-15,-2-1 0 0,0 1 0 0,2-3 0 16,0 3 16-16,-14-4 0 0,0 0 0 0,0 0 0 15,0 0-448-15,84 9-112 0,-84-9-16 0,0 0 16 16,0 0 48-16,0 0 16 16,80 5 0-16,-66-5 16 0,1 3 0 0,3 3 0 15,-18-6 0-15,0 0 0 0,0 0 160 0,87 10 48 0,-87-10 0 0,0 0 16 16,78 12-240-16,-78-12-48 0,0 0-16 0,84 25-5600 16,-84-25-1136-16</inkml:trace>
+  <inkml:trace contextRef="#ctx0" brushRef="#br0" timeOffset="60900.47">25392 1041 911 0,'-2'2'0'0,"1"-2"0"0,-1 1 0 0,0-1 0 16,0 0 336-16,2 0-16 0,-5 2 0 0,0 0 0 15,-2 0 64-15,-7-1 16 0,4-1 0 0,-1 0 0 16,2 2 560-16,-1-2 96 0,1 0 32 0,1 2 0 16,-1-2-224-16,2 0-32 0,0 2-16 0,0 1 0 15,-2-1-224-15,1-1-32 0,1 3-16 0,-2-1 0 0,-2 1-416 0,4 3-128 16,-1 0 0-16,-3 2 0 15,3-2 160-15,-1-2-160 0,2 5 128 0,-2-3-128 0,0 4 320 0,1-3 0 16,-3 5-16-16,3-5 0 0,2 4-112 0,-2 1 0 16,1-3-16-16,1 1 0 0,-1-3 80 0,2 3 0 15,0-3 16-15,0 1 0 0,1 0-272 0,-1 1 128 16,2-1-128-16,3 1 0 0,-6-1 192 0,3 3-192 16,-2-3 192-16,1 3-192 0,2-3 224 0,1 5-64 15,-5-4-16-15,1 1 0 0,2-3 64 0,-1 1 16 16,2 2 0-16,-3-4 0 0,2 0-64 0,-1 3-16 15,3-3 0-15,-3 3 0 0,-1-4-144 0,1 4 128 16,1-1-128-16,-1 1 128 0,1-1 112 0,3 1 16 0,0-1 0 0,0 3 0 16,0-5-64-16,0 4-16 0,0-4 0 0,0 3 0 15,3-5-176-15,1 1 0 0,-1 4 0 0,1-5 0 16,1 4 0-16,2 0 0 0,0-4-128 0,0 5 128 16,0-4 0-16,3 2 0 0,-1-1 0 0,2-1 0 15,-1 0 128-15,0 1-128 0,4-3 128 0,-7-1-128 16,7 4 0-16,-5-3 0 0,1-1 0 0,3-1 0 15,1 2 0-15,0-1 128 0,1 1-128 0,3-3 0 16,-4 1 192-16,3 0-64 0,0 0 0 0,1-2 0 16,-1 0 80-16,1 0 16 0,-1 1 0 0,-1-2 0 15,3 1-32-15,-5 0 0 0,2 0 0 0,-4-2 0 0,2 0-32 16,-4 0-16-16,1-1 0 0,-3-2 0 0,1 1-16 0,-2 2-128 16,4-1 192-16,-4-2-64 15,1-2 64-15,-1 1 0 0,2-1 0 0,0-1 0 16,-2 1 0-16,1-4 16 0,-1 4 0 0,0-3 0 0,0 1-208 0,-2-3 128 15,2 2-128-15,0-3 0 0,0 1 256 0,0 2-64 16,2-2 0-16,0-4 0 0,-1 5 0 0,1-2 0 16,2-3 0-16,-3 2 0 15,1 3 16-15,0-2 0 0,-1 2 0 0,1-3 0 0,0 2-48 0,0 1-16 16,1-2 0-16,-5-1 0 0,2 3-144 0,0 1 0 0,-5 1 0 16,0 0 128-16,-1 1-128 0,-1-3 0 0,0 6 144 0,-1-6-144 15,-1 6 336-15,0-5 0 16,1 3 0-16,-5-5 0 0,1 5 80 0,2-2 16 15,-1 0 0-15,-5 1 0 0,4-3-144 0,0 2-32 0,-4-1 0 0,2 1 0 16,0 1-112-16,-1 1-16 0,1-4-128 0,-6 4 192 16,6-2 80-16,-7 4 16 0,2-2 0 0,2-1 0 15,-6 2 32-15,0-1 0 0,3 0 0 0,-3 2 0 16,0 0-64-16,-1-4 0 0,-2 6 0 0,-1-4 0 16,-4 0-112-16,1 2-16 0,-3-2-128 0,2 0 192 15,-1 3-192-15,3-3 0 0,-1 0 0 0,2 2 0 0,2-2 0 0,0-3 0 16,0 1 0-16,1-3 0 15,-1-6-528-15,5 1-48 0,4-2-16 0,1 1-14256 16</inkml:trace>
+  <inkml:trace contextRef="#ctx0" brushRef="#br0" timeOffset="65159.99">24592 1691 5519 0,'-1'1'496'0,"-3"1"-496"0,4 0 0 0,0 1 0 16,-2-1 240-16,1 0-48 0,-1 3-16 0,-5 2 0 16,0 5-176-16,-2 0 0 0,-1-1 0 0,-1 1 0 15,1-3 0-15,-1 3 0 0,3-2 224 0,1 1-64 16,3-3 352-16,-5 3 80 0,3-1 16 0,-1-1 0 15,0 1 192-15,1-1 32 0,3 2 16 0,-2-3 0 16,1 3-336-16,1-2-80 0,-1 3-16 0,2-4 0 16,-5 5-160-16,2-6-48 0,0 5 0 0,2-5 0 0,-4 3-32 0,1-5-16 15,3 6 0-15,-1-6 0 16,-1-1-160-16,2-1 192 0,-3 4-192 0,3-2 192 16,1-1-192-16,-3 3 0 0,3-2 144 0,-1 0-144 15,3 4 288-15,-2 0-16 0,0 1 0 0,1 0 0 0,1 6-32 16,-2 0-16-16,2-1 0 15,0 3 0-15,0-4-224 0,0 2 176 0,2 1-176 0,1-3 160 16,0 0 224-16,1-2 32 0,3 2 16 0,-2 0 0 16,4-2-32-16,-2 4 0 0,2-2 0 0,-1-2 0 0,1 0-144 15,1 5-48-15,-1-3 0 0,0 0 0 16,3-3-16-16,0 4 0 0,2-2 0 0,0-5 0 16,2 5-16-16,0-6-16 0,1-2 0 0,0 2 0 0,1-2 0 15,1-3 0-15,-2 3 0 0,3 0 0 16,-1-1 96-16,-2 1 0 0,1-3 16 0,1 1 0 0,-5 6-16 0,1-6 0 15,1 2 0-15,0 1 0 0,-1-1 112 0,3-2 16 0,-6-1 0 0,2-2 0 32,2 0-224-32,-1-2-32 0,3-1-128 0,-4-4 192 15,0-2-192-15,0-5 0 0,0 2 0 0,-2-4 0 0,0-3 160 0,2 0-160 0,-4 0 160 0,3-4-160 16,0 1 464 0,-6-1 0-16,6 2 0 0,-6-3 0 0,0-6-32 0,0 2-16 15,-2-3 0-15,-2 0 0 0,-1-1-160 0,0 1-48 16,-2 3 0-16,0 0 0 0,-2 2 48 0,-1-2 0 15,-1 7 0-15,1-1 0 0,-6 2-256 0,2 3 176 16,-4 0-176-16,-1-1 160 0,0 4-160 0,-2 0 192 16,2 2-192-16,-2-2 192 0,0 2 192 0,4 0 64 15,-3-2 0-15,3 3 0 0,-1 1-144 0,-1-4-32 16,2 5 0-16,-6-1 0 0,4 5-272 0,-4-1 0 0,2 5 0 16,-3-1 0-16,-1 4 0 0,-2 1 0 0,2 1 128 15,-1-3-128-15,0 6 128 0,-2-5-128 0,-4 0 144 0,1-2-144 16,0-2 0-16,-4-5 0 15,2 2-176-15,-2-7 176 16,0 0-1488-16,0-4-176 0,4-5-48 0,4-5-7584 0,5-2-1520 0</inkml:trace>
+  <inkml:trace contextRef="#ctx0" brushRef="#br0" timeOffset="67721.75">30439 11766 5519 0,'-4'7'496'0,"4"-5"-496"0,-2 2 0 0,2-3 0 16,0 1 1024-16,-3 0 128 0,-1 1 0 0,1 8 16 16,-2-4-208-16,1 1-64 0,-1-1 0 0,2-3 0 15,-1-1-576-15,1 1-112 0,1-2-16 0,2-2-16 16,-5 1-176-16,1-1 0 0,1 2 0 0,-3 0 0 15,1 0 176-15,0-1 0 0,-2-1 0 0,0 4 0 0,0-1-176 0,2-3 160 16,1 0-160-16,-1-3 160 16,3-1-160-16,1-1 0 0,2-5 0 0,-1 1 0 0,0-3 0 0,0 1-144 15,0-1 144-15,-3-2-208 16,-2 4-96-16,-2-1-16 0,-2 6 0 0,-5 2 0 0,0 3 320 0,-2 1 0 16,-6 5 0-16,-3 6 0 15,-1 0 192-15,0 5 128 0,0 4 48 0,0 2 0 0,-2-2 176 0,4 1 32 16,1 1 16-16,0-4 0 0,8 0 112 0,-3-1 0 15,2-1 16-15,4-3 0 0,2-2-368 0,-2 2-80 16,5-2-16-16,-6-1 0 0,3 1-256 0,0 0 0 16,-3-3 0-16,-1 5-144 0,0-4-208 0,-1 4-32 0,-4 2-16 0,1 0 0 15,2 1 256-15,1 2 144 16,-1 2-160-16,2 0 160 0,-3 0 256 0,1-2 128 16,2 4 48-16,2 1 0 0,0-3 208 0,1 2 32 0,3-1 16 0,-1 1 0 15,0 3-352-15,2-3-64 0,-2-1-16 0,2 6 0 16,-1-2-256-16,1 1 0 15,2 4 0-15,-2-5 0 0,3 4 0 0,2-8 0 0,2 1 0 0,2 0-144 16,3-3 144-16,2-2 256 16,4-1-64-16,-1-6-16 0,4 3 288 0,-2-7 64 0,4 1 16 0,0-1 0 0,-1 0-288 0,3 4-48 15,-1-4-16-15,-3 5 0 16,2-2-16-16,0 1-16 0,-2 4 0 0,3 1 0 16,-3 3 352-16,0-1 80 0,0 1 16 0,1 0 0 15,-2-2 64-15,2 1 16 0,-1-2 0 0,2-1 0 16,1 3-352-16,-3-1-64 0,4-1-16 0,-1-1 0 0,2 1-128 0,-1-4-128 15,1 4 144-15,0 1-144 0,2-3 128 0,2-3-128 16,-1 4 0-16,3-4 144 0,-1-1 0 0,2 4 0 16,2 2 0-16,-2-6 0 0,-3 4-16 15,0 0-128-15,-1-3 192 0,-1 1-64 0,-2 0 16 0,2-3 0 0,2-1 0 0,-4-2 0 32,2-3 176-32,0 1 16 0,2-3 16 0,-3-1 0 15,0 0-144-15,0-1-16 0,5-1-16 0,-4 0 0 0,1 2-48 0,1 0 0 0,2 0 0 0,1 0 0 16,-2 4-128-16,-1 1 0 0,3-2 0 0,-4 4 128 15,3-3-128-15,1 3 0 16,-5 0 0-16,2-4 0 0,-3 6 0 0,1-4 0 0,-1-1 0 0,-1 1 0 0,0 0 0 16,0-3 0-1,0-2 0-15,-1-2 0 0,1 0 0 0,0-5 0 0,0 4 0 0,0-9 0 0,1 3 0 16,-1-5 0-16,0 2 0 16,-2-2 0-16,2-2 0 0,-1 1 0 15,-2-1 0-15,1-3 0 0,-1-2 0 0,1 0 0 16,-1-2 0-16,-2-1 0 0,0 0 0 0,0 1 0 0,-4-3 0 0,-1-2 0 0,-1 7 0 15,-2-2 0-15,-1 2 0 0,-3-1 0 0,1-3 0 16,-1 3 0-16,0 3 0 0,-1-2 0 0,1-2 0 0,-2 0 0 31,2-1 0-31,1 1 0 0,-3-1 128 0,2-2-128 0,0 2 0 16,0-1 128-16,-1-1-128 0,1 2 0 0,2-1 0 0,-3-3 0 16,-1 4 0-16,6-2 0 0,-6 0 0 0,1 3 0 15,-1 2 0-15,-1 0 0 0,1 2 0 0,-2 2 0 16,-3-1 0-16,1 3 0 0,-1-3 0 0,1 3 0 15,-4 2 0-15,-1-1 0 0,2-1 0 0,-3 4 0 16,-1 1 224-16,1-2-32 0,-3 3-16 0,1-3 0 16,-2 5-32-16,2-5 0 0,0 3 0 0,0-3 0 15,1 5 16-15,3-5 0 0,-5 1 0 0,5-3 0 16,-5 0-160-16,3-3 0 0,-1 1 0 0,-1 2 0 0,4 0 0 16,-6 0 0-16,3-1 0 0,-3 2 0 0,2 1 0 15,-2-2 0-15,2 6 0 0,-6-5 0 0,3 3 192 0,-3-2-64 16,1 0 0-16,-2 5 0 0,-2 0 0 0,0-2-128 15,-2 5 192-15,-5 1-64 0,1 0-128 0,-1-3 0 16,0 5 0-16,0-1 0 0,2 0 0 0,0-1 0 16,1-6 0-16,1 4 0 0,3-4 0 0,0-2 0 15,2-2 0-15,0 0 0 0,1-1 0 0,-1-1 0 16,0-3 0-16,-4-3 0 16,4-1-576-16,3-1 16 0,-1-5 0 0,3-1-10720 15,4-4-2160-15</inkml:trace>
+</inkml:ink>
+</file>
+
+<file path=ppt/ink/ink14.xml><?xml version="1.0" encoding="utf-8"?>
+<inkml:ink xmlns:inkml="http://www.w3.org/2003/InkML">
+  <inkml:definitions>
+    <inkml:context xml:id="ctx0">
+      <inkml:inkSource xml:id="inkSrc0">
+        <inkml:traceFormat>
+          <inkml:channel name="X" type="integer" max="30347" units="cm"/>
+          <inkml:channel name="Y" type="integer" max="20231" units="cm"/>
+          <inkml:channel name="F" type="integer" max="65535" units="dev"/>
+          <inkml:channel name="T" type="integer" max="2.14748E9" units="dev"/>
+        </inkml:traceFormat>
+        <inkml:channelProperties>
+          <inkml:channelProperty channel="X" name="resolution" value="1000.23071" units="1/cm"/>
+          <inkml:channelProperty channel="Y" name="resolution" value="1000.04944" units="1/cm"/>
+          <inkml:channelProperty channel="F" name="resolution" value="0" units="1/dev"/>
+          <inkml:channelProperty channel="T" name="resolution" value="1" units="1/dev"/>
+        </inkml:channelProperties>
+      </inkml:inkSource>
+      <inkml:timestamp xml:id="ts0" timeString="2024-01-12T21:08:24.803"/>
+    </inkml:context>
+    <inkml:brush xml:id="br0">
+      <inkml:brushProperty name="width" value="0.05292" units="cm"/>
+      <inkml:brushProperty name="height" value="0.05292" units="cm"/>
+      <inkml:brushProperty name="color" value="#FF0000"/>
+    </inkml:brush>
+  </inkml:definitions>
+  <inkml:trace contextRef="#ctx0" brushRef="#br0">21558 3145 3855 0,'-7'2'0'0,"6"-2"144"0,1 0-144 0,1-2 224 0,1 2-224 0,3-2 0 0,-1 0 0 0,5-3 0 16,-9 5 944-16,0 0 144 0,0 0 16 0,73-49 16 0,-73 49-784 0,0 0-144 15,54-38-48-15,-54 38 0 0,0 0-16 0,0 0 0 16,0 0 0-16,31-30 0 0,-31 29 1104 16,-1-5 224-16,-6 5 32 0,0-1 16 0,1 2 16 0,-8-2 0 15,2-1 0-15,-3 1 0 0,1 2-1072 0,-6 2-224 16,1 3-32-16,0-2-16 0,-5 6-176 0,-1 0-176 0,3 3 48 16,-1-1 0-16,-1 2 304 0,1 3 64 15,2 0 16-15,2-2 0 0,1 0 384 0,3 1 96 0,3 3 16 0,-2-3 0 16,0 3-432-16,3 1-64 0,-4 2-32 0,1 0 0 15,-2 0-224-15,-2 1 0 0,1 8 0 0,-4 1 0 16,0-1 0-16,-1 7 0 0,1 1 128 0,0-2-128 16,0 3 640-16,-4 3 48 15,3 3 0-15,-3-2 0 0,4-1-16 0,2 2 0 0,2-4 0 0,-2-4 0 16,7-3 624-16,-1 1 128 0,5 0 32 0,2-4 0 31,6-2-1776-31,0-4-336 0,0 2-80 0,2-5-16 0,3 0 752 0,1-2 0 0,1 0 160 0,0-1-32 16,3 1-128-16,-5-2 0 0,6-1 144 0,-3 0-144 0,3-4 208 15,-2 2-16-15,4-2-16 0,-13-12 0 16,0 0 32-16,0 0 16 0,58 37 0 0,-58-37 0 0,0 0-224 0,0 0 0 16,75 24 0-16,-75-24 0 0,0 0 128 0,75 16-128 15,-75-16 0-15,0 0 144 16,87 10-144-16,-87-10 0 0,0 0 0 0,85 12 128 0,-85-12-128 0,0 0 0 0,84 11 0 16,-84-11 0-1,0 0 0-15,89 12 0 0,-89-12 0 0,0 0 0 16,92 0-160-16,-92 0 160 0,0 0 0 0,108-24-144 15,-108 24-80-15,70-32-16 0,-70 32 0 0,70-40 0 0,-70 40 64 0,68-45 16 16,-68 45 0-16,57-47 0 0,-57 47 160 0,51-51 144 0,-51 51-16 0,48-50-128 16,-48 50 192-1,48-52-192-15,-26 26 192 0,1-2-192 0,-23 28 0 0,43-46 0 0,-43 46 0 0,40-48 0 16,-40 48 0-16,41-46 0 0,-24 20 0 0,-17 26 0 16,35-43-288-16,-19 20 32 15,-16 23 16-15,31-42 0 0,-24 18-32 0,0 3-16 0,-2 2 0 0,-3 0 0 0,0-1 288 0,-2 1-128 16,0 2 128-16,-2-2 0 0,2 0 0 0,-2 1 0 15,2 1 0 1,-2-2 0-16,-3 1 0 0,2-1 0 16,-1 0 0-16,-1-2 0 0,-2 2 0 0,0-2 0 15,2 0 0-15,-4-2 0 0,0 4 0 0,1-2 0 16,-1-1 0-16,-3 1 0 0,1 2 0 0,-4-2-208 16,-3 2 64-16,-3-2 16 0,-3 3-192 0,-2 1-16 15,0 6-16-15,-6 1 0 0,1 5 32 0,1 1 0 16,2 2 0-16,2-3 0 0,3 3 944 0,4-1 192 15,0 0 32-15,2-6 16 0,1 4-240 0,0-4-48 0,1 0-16 16,2-1 0-16,-4 1-752 0,0 0-160 0,-1 1-32 0,-1 4 0 31,-2 1-64-31,0 3-32 0,-3 3 0 0,-1 2 0 0,1 6 480 0,-2-1 0 0,-4 4-128 0,2 4 128 16,0-1 0-16,2 0 0 0,-2 3 0 0,4-3 0 16,0 0 0-16,3-1 160 0,0-2-160 0,5 0 128 15,0-2-128-15,3-3 0 0,-1 5 0 0,0-6 0 16,1 5-208-16,-4-1-128 0,3-2-32 0,-2 4 0 15,2-2-80-15,1 1-32 0,-1 2 0 0,0 4 0 16,3 1 480-16,-1-1 0 0,0 0 176 0,1 4-48 0,-3 4 96 0,0 0 32 16,-1 4 0-16,1-3 0 0,-2 5-64 0,0 0-16 15,1 5 0-15,-1-3 0 0,4 0 256 0,0-5 48 16,3 1 16-16,-1-3 0 0,3 1-240 0,0-6-64 16,0 5 0-16,1-4 0 0,1-1-192 0,2 0 0 15,1-2 0-15,0 3 0 0,2-3 0 0,2 1 0 16,1-1 0-16,4-2 0 0,-1 2 288 0,2 0 160 15,3 2 48-15,3-2 0 0,0 0 48 0,-14-21 16 16,35 36 0-16,-35-36 0 0,40 35-272 0,-40-35-48 16,43 33-16-16,-43-33 0 0,49 35-224 0,-49-35 0 0,0 0 128 0,73 40-128 15,-73-40 0-15,0 0 0 0,84 28 0 16,-84-28 0-16,0 0 0 0,85 7-160 16,-85-7 160-16,0 0-128 0,86-2-32 0,-86 2 0 0,0 0 0 0,80-8 0 15,-80 8 160-15,0 0 0 0,90-14 0 16,-90 14-128-16,0 0 272 0,96-25 64 0,-96 25 16 0,0 0 0 15,94-42-80-15,-94 42-16 0,0 0 0 0,73-50 0 16,-73 50-128-16,39-37 0 16,-22 20 0-16,2-2 0 0,-5-2 0 0,-1 0 160 0,0-3-160 0,3-1 160 0,-4 1-160 15,1-6 128-15,1 4-128 0,-6-5 128 16,3-2-128-16,-3 1 0 0,3-1 144 0,-6-2-144 0,2-1 0 16,0-1 0-16,-4 1 0 0,1 4 128 0,-1 1-128 0,4-2 0 15,-3-4 0-15,1 4 128 0,0 5 0 0,1-3 0 16,-5 3 0-16,-1-2 0 15,-1 4-128-15,1-3 0 0,-7 6 128 0,1-1-128 16,-1 3 0-16,-3-4 0 0,1 4 0 0,-6 1 0 16,1 0 0-16,-2 0 0 0,0 0 0 0,-1 1 0 0,1 2-160 0,-1-1 0 15,-1 3 0-15,1-3 0 16,-1 4 160-16,3-3-128 0,-3 0 128 0,1-3-128 0,1 3 128 0,2-2-208 0,-3 3 80 0,1-1 128 16,-1 1-320-16,-4 4 64 0,2 0 16 0,-4 1 0 15,-3 6-16-15,-4 0-16 0,1 3 0 0,-1 4 0 16,-3-1 112-16,0 3 32 15,0 1 0-15,-2 2 0 0,2 0 128 0,-2-2 128 0,0 2-128 0,2-3 176 16,3-2 16-16,4-2 0 0,0 0 0 0,3 0 0 0,-1-2-192 16,1 2 0-1,2-2 144-15,-1 4-144 0,-1 0-688 16,-3 3-208-16,-4 9-32 0,1 3-14080 0</inkml:trace>
+  <inkml:trace contextRef="#ctx0" brushRef="#br0" timeOffset="1465.66">22897 3481 7359 0,'5'0'656'0,"2"0"-528"0,0-2-128 0,-4 2 0 16,4 0 0-16,0-1 0 0,-7 1 0 0,0 0 128 16,0 0-128-16,81-13 0 0,-81 13 0 0,0 0 0 15,0 0 0-15,78-5 0 16,-78 5-128-16,0 0 128 0,0 0 0 0,0 0 0 15,0 0-144-15,87-9 144 0,-87 9 0 0,0 0-128 16,0 0 128-16,0 0 0 0,0 0 512 0,80-5 224 0,-80 5 32 16,0 0 64-16,0 0-16 0,0 0 0 0,84-9 0 0,-84 9 32 15,0 0-576-15,64-31-112 0,-64 31-32 0,0 0 48 32,61-31-1040-32,-61 31-208 0,0 0-32 0,56-35 16 15,-56 35 368-15,0 0 64 0,0 0 16 0,72-44 32 0,-72 44 608 0,0 0 0 0,0 0 0 0,83-38 0 0,-83 38 256 0,0 0 0 16,0 0-16-16,89-30 16 0,-89 30-256 0,0 0 128 15,0 0-128-15,101-12 144 0,-101 12 16 0,0 0 0 16,0 0 0-16,101 14 32 0,-101-14 352 0,0 0 64 16,77 23 16-16,-77-23 32 15,0 0 304-15,77 19 48 0,-77-19 16 0,0 0 32 0,87 5-544 0,-87-5-128 16,0 0 0-16,92 0 16 0,-92 0-400 0,0 0 0 16,96-5 0-16,-96 5 0 15,0 0 0-15,97-9 0 0,-97 9 0 0,0 0 0 0,96-10 672 0,-96 10 32 0,0 0 16 16,105-12 0-1,-105 12-80-15,0 0-32 0,104-11 0 0,-104 11 0 0,0 0-480 0,93-5-128 16,-93 5 0-16,0 0 0 16,78 10-512-16,-78-10-128 0,0 0-32 0,77 39-8080 0</inkml:trace>
+  <inkml:trace contextRef="#ctx0" brushRef="#br0" timeOffset="21996.7">23427 10516 14735 0,'-9'-4'1312'0,"2"-3"-1056"0,5 6-256 0,0-5 0 31,2 1-1280-31,-1-3-304 0,-8-8-64 0,-3-3-16 0,-7-6 1296 0,-6 1 368 0,-1 5-144 0,-2 5 144 0,-2 7 0 0,-1 2-144 0,-2 6 144 0,-2 5-128 32,-5 2 128-32,2 1-128 0,-2 1 128 0,1 4 0 15,1 0 688-15,0-3 256 0,1 6 48 0,2 2 32 16,2 2-336-16,-3 5-64 0,-1 1-16 0,-1-3 16 15,1 6-432-15,-1-4-192 0,5 3 160 0,-1-1-160 16,8 2 208-16,4-4-64 0,-3 3-16 0,6-1 16 16,0 4 96-16,1-1 16 0,1 2 0 0,-2 5 0 0,3 4-256 15,-3-2 128-15,0 4-128 0,-2-2 128 16,0 5-320-16,-2 0-48 0,1 3-16 0,-1 1 16 0,-1-4 240 0,-1 5 208 16,1 0-32-16,1-1 0 0,4 3 528 0,-4-2 128 15,9 2 0-15,2-3 32 0,5-1 160 0,2 2 16 16,5 2 16-16,5-7 16 0,1 4-352 0,2-9-64 15,6 3-16-15,0-5 16 0,4 2-656 0,-18-42 0 16,34 73-176-16,-14-37 176 16,-1 5-816-16,0-1-32 0,2 0-16 0,-2 0 16 15,0 3 96-15,-1 3 32 0,-1 1 0 0,-7 0 0 0,3 1 528 0,-5 3 192 16,1 6-144-16,-2 3 144 0,2 1 0 0,-4 1 0 16,4 3 0-16,1-1 0 0,4-1 512 0,0 0 16 0,5-6 16 0,4-6 0 15,0-1 416-15,4-6 96 0,5 1 16 0,-32-45 0 16,80 73-432-16,-80-73-96 15,89 63-16-15,-89-63 0 0,90 42-384 0,-90-42-144 0,91 34 0 0,-91-34 144 16,84 25-144-16,-84-25-224 0,87 26 48 0,-87-26 16 16,87 24-160-16,-87-24-16 0,84 30-16 0,-84-30 0 15,80 36 160-15,-80-36 48 0,69 34 0 0,-69-34 0 16,58 33 144-16,-58-33 0 0,0 0 0 0,82 52 128 16,-82-52 208-16,0 0 48 0,94 38 16 0,-94-38 0 0,0 0 96 0,111-2 16 15,-111 2 0-15,89-33 0 16,-33 2-112-16,2-6-16 0,1-4 0 0,2-3 0 15,2-5-912 1,-4 1-192-16,-5-1-48 0,-2-3 0 0,0 3-864 0,-1-5-176 0,-6 0-48 0,-1-4 0 16,1 3 368-16,-7-3 64 0,1 1 16 0,-4-1 0 0,-7 4 848 0,-1 0 176 15,0 7 48-15,-3-2 0 0,0 2 800 0,-1-3 176 16,3-2 16-16,2-6 16 16,2-1 512-16,-1-9 96 0,6 0 32 0,-5-3 0 0,1-1-736 0,2 6-128 15,-1-2-48-15,-1 0 0 16,0 2-1264-16,-3 0-256 0,0 5-48 0,-7 3-16 15,-2 4-272-15,-3 6-48 0,-7 2-16 0,1 6 0 0,-7 4 1072 0,-1-1 192 16,-2 0 64-16,-3 3 0 0,1 1 1024 0,-7-2 224 0,1 0 32 0,-8 0 16 16,0-2-32-16,-6-1-16 0,1 3 0 0,-9 4 0 15,2 0-800-15,-7-2-256 16,-3 3 128-16,0-1-128 0,-1-3 0 0,-4 1 0 0,3 4 0 0,-2-3 0 16,2-2 1328-16,-2 2 144 15,4-3 48-15,-6-1 0 0,4-1-512 0,-2-1-112 16,0-4 0-16,0 0-16 0,-5 1-528 0,2 0-96 15,-5 5-32-15,-4 8 0 0,-2 2-48 0,-7 12-16 0,-3 7 0 0,-11 5 0 16,-8 6-160-16,-4 8-224 0,-2 5 48 0,-5 9 16 31,-3 13-848-31,-5 6-160 0,-8 2-48 0,-1 7-10384 0</inkml:trace>
+  <inkml:trace contextRef="#ctx0" brushRef="#br0" timeOffset="25621.41">22337 10842 7359 0,'0'0'656'16,"0"0"-528"-16,0 0-128 0,0 0 0 0,0 0 0 0,0 0 0 16,0 0 0-16,0 0 0 0,0 0 256 0,34-60 32 15,-34 60 0-15,0 0 0 0,0 0 224 0,-7-3 64 16,-2 10 0-16,-2 2 0 0,1 1-272 0,-1 4-48 16,3 0-16-16,-3-4 0 0,6 6 96 0,0-4 32 0,5-3 0 15,-2 0 0-15,2-9 144 0,0 0 16 0,16 21 16 0,-16-21 0 16,0 0-288-16,0 0-64 15,64 12-16-15,-64-12 0 0,0 0-176 0,68 7 0 0,-68-7 0 0,0 0 0 16,82 15 192-16,-82-15 0 0,58 20 0 0,-58-20 0 16,59 29 368-16,-59-29 80 0,57 38 0 0,-27-15 16 15,-4 7 80-15,0-2 16 0,0 8 0 16,-1 2 0-16,3 1 96 0,-4-3 32 16,6-1 0-16,-2 0 0 0,5-4-128 0,-2-1-32 0,7 1 0 0,4 1 0 0,-2-4-352 15,2-1-80 1,3 0-16-16,4-1 0 0,-2 5-272 0,0-1 0 0,-1 1 0 0,-3 4 0 0,-3 5 0 0,0 3 240 15,-3 3-48-15,-2 2-16 16,-2 5 208-16,0 2 32 0,0 8 16 0,-1-2 0 0,-1 0 896 0,2-3 176 16,2 3 32-16,1-1 16 15,3 0-1552 1,3-1-352-16,1-3-48 0,1-1-16 0,1 3 544 0,-1-8 128 0,-3-1 0 0,-2-7 16 0,-1 1-272 16,-1-2 0-16,1 0 0 0,-1-1 0 15,1 0 0-15,0 4-224 0,1 1 64 0,1 1 16 0,2 1 0 0,-2 0 0 16,5 3 0-16,-3 1 0 0,3-4 144 0,0 3-192 0,-5 2 192 15,1-5-192-15,-3 4 64 16,0-7 0-16,1 6 0 0,1-5 0 16,-2 4-64-16,0-5 0 0,-1 1 0 0,-2-9 0 15,-2-4-608-15,-4-4-128 0,1-7-32 0,-30-21-12432 0</inkml:trace>
+  <inkml:trace contextRef="#ctx0" brushRef="#br0" timeOffset="26207.64">22721 13527 23951 0,'-5'9'2128'0,"1"-2"-1696"0,4-5-432 0,0-2 0 0,0 0-208 15,0 0-128-15,0 0-32 0,7 7 0 16,-5-4-1184-16,3 1-240 0,-5-4-64 0,0 0 0 16,0 0 832-16,0 0 144 0,0 0 48 0,0 0 0 0,0 0 832 0,0 0 0 15,0 0 176-15,0 0-32 0,0 0 592 0,0 0 112 16,61-39 32-16,-61 39 0 0,0 0 144 0,30-61 48 15,-30 61 0-15,34-66 0 0,-34 66-528 0,49-99-96 16,-49 99-32-16,58-117 0 0,-25 60-416 0,-2-4 0 16,-31 61 0-16,70-126 0 0,-32 60-224 0,4-3-128 15,3-3-32-15,2-4 0 16,6-5-256-16,-1 1-48 0,4 0-16 0,-2 10 0 0,-4 1 256 0,1 3 32 16,1 3 16-16,4-2 0 0,0-1 256 0,1 0 144 15,-1 2-160-15,7 3 160 0,5-2 400 0,-2 0 176 0,4 4 48 0,-2-5 0 16,-2-3 400-16,3 0 96 15,-2-7 16-15,2-8 0 0,5 2-688 0,-5-3-128 0,4-3-16 0,-5 10-7200 16,-1-3-1424-16</inkml:trace>
+</inkml:ink>
+</file>
+
+<file path=ppt/ink/ink15.xml><?xml version="1.0" encoding="utf-8"?>
+<inkml:ink xmlns:inkml="http://www.w3.org/2003/InkML">
+  <inkml:definitions>
+    <inkml:context xml:id="ctx0">
+      <inkml:inkSource xml:id="inkSrc0">
+        <inkml:traceFormat>
+          <inkml:channel name="X" type="integer" max="30347" units="cm"/>
+          <inkml:channel name="Y" type="integer" max="20231" units="cm"/>
+          <inkml:channel name="F" type="integer" max="65535" units="dev"/>
+          <inkml:channel name="T" type="integer" max="2.14748E9" units="dev"/>
+        </inkml:traceFormat>
+        <inkml:channelProperties>
+          <inkml:channelProperty channel="X" name="resolution" value="1000.23071" units="1/cm"/>
+          <inkml:channelProperty channel="Y" name="resolution" value="1000.04944" units="1/cm"/>
+          <inkml:channelProperty channel="F" name="resolution" value="0" units="1/dev"/>
+          <inkml:channelProperty channel="T" name="resolution" value="1" units="1/dev"/>
+        </inkml:channelProperties>
+      </inkml:inkSource>
+      <inkml:timestamp xml:id="ts0" timeString="2024-01-12T21:11:55.806"/>
+    </inkml:context>
+    <inkml:brush xml:id="br0">
+      <inkml:brushProperty name="width" value="0.05292" units="cm"/>
+      <inkml:brushProperty name="height" value="0.05292" units="cm"/>
+      <inkml:brushProperty name="color" value="#FF0000"/>
+    </inkml:brush>
+  </inkml:definitions>
+  <inkml:trace contextRef="#ctx0" brushRef="#br0">28874 3272 9215 0,'0'0'816'0,"0"0"-656"0,0 0-160 0,0 0 0 15,0 0-288-15,0-2-96 0,2 1 0 0,-2-3-16 16,0-3-288-16,0 2-48 0,-2-2-16 0,-2-2 0 0,3 4 752 0,-5-6 160 16,1 6 32-16,-2-2 0 15,2-1 576-15,-2 2 128 0,0 1 32 0,-5-2 0 0,1 4 112 0,-3-1 32 16,0 2 0-16,1-1 0 0,-3 3-240 0,2-2-32 16,-4 2-16-16,3-3 0 15,1 3-560-15,-2 0-224 0,4 0 176 0,-2 0-176 0,0 0 0 0,4 3-208 0,-6-1 16 0,4 1 0 16,1-1-64-16,-3 0-16 15,2 1 0-15,-2 3 0 0,2-3 272 0,0 2-160 16,1 1 160-16,-4 2-128 0,-1 1 128 0,0 5 0 0,1 0 128 0,-3-2-128 16,1 4 0-16,-2 1 128 0,-1 2-128 0,5 0 0 15,-8 2 256-15,4 0 0 0,0 4-16 0,-2-3 0 16,3 3 320-16,1-3 64 0,3 4 16 0,-2-3 0 16,4 0-16-16,3-1 0 0,-1 5 0 0,3-3 0 15,0 0-272-15,2 4-48 0,0-3-16 0,1-5 0 16,4 1 32-16,0 0 0 0,0 0 0 0,2-2 0 0,1-3 288 15,1 0 64-15,1 1 16 0,0-1 0 16,1-2-176-16,-1-4-48 0,3 6 0 0,-4-4 0 0,1 0-48 0,-1 2-16 16,1 2 0-16,-3-4 0 0,1-3 112 0,2 5 0 15,-1-4 16-15,3 2 0 0,-2 0-160 0,4-3-48 32,-1 2 0-32,-8-11 0 0,0 0-144 0,0 0-48 0,0 0 0 0,0 0 0 0,95 14-128 0,-95-14 0 15,0 0 0-15,0 0-176 0,0 0 16 0,90-14 0 16,-90 14 0-16,0 0 0 0,0 0 160 0,0 0 0 15,86 1 0-15,-86-1-128 16,0 0 128-16,0 0 224 0,0 0-48 0,88 25-16 0,-88-25 48 0,0 0 16 16,0 0 0-16,88 22 0 0,-88-22-224 0,0 0 0 15,75 25 0-15,-75-25 0 0,0 0 0 0,78 22 0 0,-78-22 0 16,0 0 0-16,78 21 0 0,-78-21 0 0,0 0-128 0,86 18 128 16,-86-18 0-16,0 0 0 0,92 17 176 0,-92-17-176 15,0 0 352-15,103 18-32 0,-103-18-16 0,0 0 0 16,104 22-48-16,-104-22-16 0,0 0 0 0,108 25 0 15,-108-25 0-15,75 21 0 0,-75-21 0 0,81 17 0 32,-81-17-112-32,0 0-128 0,111 17 176 0,-111-17-176 0,0 0 0 0,117 4 0 0,-117-4 0 0,0 0 0 15,118-4 0-15,-118 4 0 0,79-8 0 0,-79 8 0 16,83-14 0-16,-83 14 128 0,89-18-128 0,-89 18 160 0,89-21 176 16,-89 21 48-16,79-22 0 0,-79 22 0 0,75-28-256 0,-75 28-128 15,67-26 128-15,-67 26-128 31,60-32-288-31,-60 32-128 0,59-29-32 0,-59 29 0 0,56-33 112 0,-56 33 16 16,57-33 0-16,-57 33 0 0,58-37 320 0,-58 37 0 0,57-37 0 0,-57 37 0 0,53-34 0 0,-53 34 0 16,47-37 0-16,-47 37 0 15,40-38 0-15,-40 38-176 16,36-42 176-16,-20 23-128 0,0-2 128 0,-1 0-160 0,-1 0 160 0,-3 2-160 0,1 1 160 0,-9 1 0 16,1 1 0-16,-4-1-128 0,-2 3 128 0,-3 2 0 15,-4-2 0-15,0-4 0 16,-6 5 0-16,-1 2 0 0,-1-3 0 0,-4 0 0 15,-2 6 0-15,2-6 128 0,-3 3-128 0,1-3 0 16,0 0 256-16,1 0-32 0,1 0 0 0,0-1 0 16,-2-1 32-16,1-1 0 0,-1-1 0 0,-1 1 0 15,-1-2-256-15,-1 1 0 0,2 1 0 0,-8-1 0 16,4 4 320-16,-6-1-48 0,-5-1 0 0,1 2 0 16,-4 5-80-16,2 1-32 0,-4 3 0 0,1-2 0 15,-2 0-160-15,-2 3 160 0,-2-1-160 0,0 0 160 16,-3-2-160-16,3 1 0 0,2 1 0 0,0 0 0 0,3 2 0 15,-3-3-192-15,0 1 32 0,-2 0 16 0,-1 3-16 16,-4 0 0-16,0 2 0 0,-7-3 0 0,-2-1 160 0,-3 1-160 16,0-2 160-16,-4 1-160 0,2 1 160 0,-3 1 0 15,-1 5-144-15,-5-1 144 16,-1 9-960-16,-7-4-112 0,-3 0-16 0,8 3-13664 16</inkml:trace>
+</inkml:ink>
+</file>
+
+<file path=ppt/ink/ink16.xml><?xml version="1.0" encoding="utf-8"?>
+<inkml:ink xmlns:inkml="http://www.w3.org/2003/InkML">
+  <inkml:definitions>
+    <inkml:context xml:id="ctx0">
+      <inkml:inkSource xml:id="inkSrc0">
+        <inkml:traceFormat>
+          <inkml:channel name="X" type="integer" max="30347" units="cm"/>
+          <inkml:channel name="Y" type="integer" max="20231" units="cm"/>
+          <inkml:channel name="F" type="integer" max="65535" units="dev"/>
+          <inkml:channel name="T" type="integer" max="2.14748E9" units="dev"/>
+        </inkml:traceFormat>
+        <inkml:channelProperties>
+          <inkml:channelProperty channel="X" name="resolution" value="1000.23071" units="1/cm"/>
+          <inkml:channelProperty channel="Y" name="resolution" value="1000.04944" units="1/cm"/>
+          <inkml:channelProperty channel="F" name="resolution" value="0" units="1/dev"/>
+          <inkml:channelProperty channel="T" name="resolution" value="1" units="1/dev"/>
+        </inkml:channelProperties>
+      </inkml:inkSource>
+      <inkml:timestamp xml:id="ts0" timeString="2024-01-12T21:14:01.605"/>
+    </inkml:context>
+    <inkml:brush xml:id="br0">
+      <inkml:brushProperty name="width" value="0.05292" units="cm"/>
+      <inkml:brushProperty name="height" value="0.05292" units="cm"/>
+      <inkml:brushProperty name="color" value="#FF0000"/>
+    </inkml:brush>
+  </inkml:definitions>
+  <inkml:trace contextRef="#ctx0" brushRef="#br0">21125 9049 911 0,'-14'2'0'0,"5"-2"0"0,2 0 0 0,2-2 0 0,3 2 960 0,2 0 96 15,0-1 32-15,-2-1 0 0,-5 0-704 0,0-1-144 16,-1 3-32-16,-5-2 0 0,1 4-208 0,-2 1-240 16,0-1 48-16,-3 1 16 0,-2 1 656 0,0-1 128 15,3 6 32-15,-2-6 0 0,3 1 576 0,1-1 128 16,3-1 32-16,1 2 0 0,1-3-336 0,2-2-64 16,2 1-16-16,3-4 0 0,0 2-608 0,2 2-128 15,0 0-32-15,0 0 0 0,0 0-384 0,0 0-96 16,0 0-16-16,0 0 0 0,0 0 304 0,0 0 0 15,0 0 128-15,37-22-128 0,-37 22 704 0,0 0 64 0,0 0 0 0,0 0 0 16,0 0-144-16,0 0-32 0,0 0 0 0,0 0 0 16,0 0-240-16,0 0-48 0,0 0-16 0,0 0 0 15,0 0-96-15,0 0-32 0,0 0 0 0,0 0 0 16,79-5 128-16,-79 5 32 0,0 0 0 16,0 0 0-16,90 8 400 0,-90-8 96 0,0 0 16 0,96 16 0 15,-96-16-208-15,73 12-48 0,-73-12 0 0,79 11 0 16,-79-11-368-16,76 14-80 0,-76-14 0 0,0 0-128 15,93 13 0-15,-93-13 0 0,0 0 0 0,88 11 0 16,-88-11 0-16,0 0 0 0,84 9 0 0,-84-9 0 16,0 0 0-16,87 5 0 0,-87-5 0 0,0 0 0 15,89 10 0-15,-89-10 0 0,65 9 0 0,-65-9 0 16,69 5 0-16,-69-5 0 0,73 7-128 0,-73-7 128 0,70 2-368 0,-70-2-16 16,72-2-16-16,-72 2 0 15,75-2-1040-15,-75 2-208 0,71-1-32 0,-71 1-16 16,66-9-176-16,-66 9-48 0,65-10 0 15,-65 10-5424-15</inkml:trace>
+  <inkml:trace contextRef="#ctx0" brushRef="#br0" timeOffset="472.25">22599 8715 11967 0,'-14'2'528'0,"5"-1"112"0,4 1-512 0,5-2-128 0,0 0 0 0,0 0 0 16,0 0-1056-16,0 0-240 0,0 0-48 0,0 0-16 15,57 26 128-15,-57-26 16 0,0 0 16 0,0 0 0 16,63 14 1472-16,-63-14 304 0,0 0 48 0,0 0 16 0,0 0 976 0,40 49 208 15,-40-49 32-15,0 0 16 0,16 47 176 0,-16-47 48 16,0 0 0-16,24 51 0 0,-24-51-768 0,0 0-160 16,40 54-16-16,-40-54-16 0,0 0-768 0,51 50-160 15,-51-50-16-15,0 0-16 0,59 44 128 0,-59-44 16 16,0 0 16-16,56 40 0 0,-56-40-16 16,0 0-16-16,0 0 0 0,0 0 0 0,56 38-176 0,-56-38-128 15,0 0 144-15,0 0-144 0,0 0-160 0,0 0-128 16,0 0-32-16,-9 17 0 15,-3-11-160-15,-4-1-32 0,-3 2-16 0,-5 5 0 16,-4 4 80-16,-2 3 32 0,-7 5 0 0,-1 2 0 0,-9 9 1024 0,-9 3 208 16,-5 6 32-16,-1 0 16 0,-3-1 96 0,2 2 0 0,9 1 16 15,11-10 0-15,6 1-976 0,18-11-192 0</inkml:trace>
+  <inkml:trace contextRef="#ctx0" brushRef="#br0" timeOffset="2715.46">19952 8279 9215 0,'0'0'816'0,"0"0"-656"16,0 0-160-16,0 0 0 0,0 0 0 0,0 0 128 0,0 0-128 0,0 0 128 15,0 0 192-15,59 49 48 0,-59-49 0 0,0 0 0 0,0 0 336 16,0 0 80-16,61 33 16 0,-61-33 0 0,0 0 160 0,0 0 48 16,0 0 0-16,65 28 0 0,-65-28-256 0,0 0-48 15,0 0-16-15,0 0 0 0,66 30 64 0,-66-30 16 16,0 0 0-16,0 0 0 0,0 0-240 0,0 0-32 15,24 52-16-15,-24-52 0 0,-14 26-288 0,2-15-64 0,-2 6-128 16,-5-1 192-16,-4 3-192 0,-3 2-288 16,2 0 64-16,-6 0 16 15,-3 0 208-15,-2 1 0 0,0-3 0 0,-1-3 0 16,-3 1 288-16,1-1 48 0,1 2 16 0,1-6 0 0,3-2-64 0,1 2-16 0,1-5 0 0,5 0 0 16,0-2-272-16,0-1 0 0,3-2-128 0,5-4 128 31,-1 0-688-31,7-1-32 0,3-6-16 0,2 4 0 15,6 0 160-15,2-6 48 0,-1 11 0 16,0 0 0-16,27-22 528 0,-27 22 0 0,0 0 0 0,57-34 0 16,-57 34 0-16,59-20 0 0,-59 20 128 0,77-18-128 15,-77 18 176-15,91-3-176 0,-91 3 192 0,85 19-192 0,-85-19 0 16,73 38 0-16,-73-38 0 0,59 49 0 16,-59-49-896-16,49 63-128 0,-49-63-16 15,40 67-7632-15</inkml:trace>
+  <inkml:trace contextRef="#ctx0" brushRef="#br0" timeOffset="5724.04">28820 11556 14735 0,'-19'0'1312'0,"3"0"-1056"16,7 0-256-16,9 0 0 0,-7 0 240 0,-1 0-16 16,-12 0 0-16,-11-2 0 15,-7 0-928-15,-2-1-176 0,1-4-32 0,4 3-16 16,9-1-224-16,0-4-64 0,5 6 0 0,4-1 0 0,5 3 1712 0,3-3 336 0,9 4 64 0,0 0 0 15,0 0 928-15,0 0 176 0,0 0 48 0,0 0 0 16,0 0-592-16,0 0-112 0,0 0-32 0,0 0 0 16,0 0-416-16,68 18-96 0,-68-18-16 0,0 0 0 15,71 3-592-15,-71-3-192 0,61 0 128 0,-61 0-128 16,77-2-592 0,-77 2-176-16,84-7-48 0,-84 7 0 15,82-3-48-15,-82 3-16 0,74-7 0 0,-74 7 0 0,67-7 1072 0,-67 7 224 0,64-4 32 0,-64 4 16 0,61 0 688 0,-61 0 128 16,0 0 16-16,86 0 16 15,-86 0-304-15,0 0-64 0,80-3-16 0,-80 3 0 0,0 0-624 0,69-16-128 16,-69 16-32-16,0 0 0 16,60-8-784-1,-60 8-176-15,0 0-16 0,0 0-16 16,61-13-240-16,-61 13-32 0,0 0-16 0,0 0 0 0,57-15 112 0,-57 15 0 0,0 0 16 0,51-21 0 16,-51 21-464-16,0 0-80 0,64-30-32 0,-64 30-5536 0</inkml:trace>
+  <inkml:trace contextRef="#ctx0" brushRef="#br0" timeOffset="6071.44">29728 11068 11055 0,'-33'-9'480'0,"10"1"112"0,2 4-464 0,7 1-128 0,14 3 0 0,-12-2 0 15,3 0 1472-15,-3-1 256 0,-7 1 64 0,-7 0 16 16,1 4-912-16,6 0-192 0,5 3-48 0,4-2 0 16,10-3-480-16,-14 13-176 0,14-13 0 0,0 0 144 15,0 0 752-15,-4 41 128 0,4-41 48 0,0 0 0 16,11 46 352-16,-11-46 80 0,0 0 16 0,29 50 0 15,-29-50-640-15,0 0-128 0,47 56-32 0,-47-56 0 16,0 0-384-16,65 57-80 0,-65-57 0 0,47 33-16 16,-47-33-240-16,50 32 0 15,-50-32 0-15,55 31 0 0,-55-31-256 0,0 0 16 16,64 49 0-16,-64-49 0 16,0 0-336-16,47 47-64 0,-47-47 0 0,0 0-16 15,37 47-176-15,-37-47-48 0,0 0 0 0,26 49 0 16,-26-49-48-16,0 0-16 0,31 59 0 0,-31-59 0 15,12 49 416-15,-12-49 80 0,14 45 0 0,-14-45 16 16,12 49 16-16,-12-49 0 0,2 43 0 0,-2-43 0 0,-7 39-448 16,-3-18-96-16,-4 3 0 0,-7-1-16 0,-5 1-288 15,-11 0-48-15,-5 8-16 0,-5-3 0 16,-5 1 576-16,-4 1 112 0,2-3 32 0,4-2-3952 0</inkml:trace>
+  <inkml:trace contextRef="#ctx0" brushRef="#br0" timeOffset="6531.41">28531 10539 4607 0,'0'0'400'0,"0"0"-400"0,1-16 0 0,-1 16 0 15,0 0 1952-15,0 0 304 0,0 0 64 0,0 0 16 16,0 0-1456-16,0 0-304 0,54-4-48 0,-54 4-16 16,0 0-240-16,0 0-48 0,0 0-16 0,35 46 0 0,-35-46 752 0,-2 47 128 15,2-47 48-15,-12 62 0 0,4-23 560 0,-3 4 112 16,1 1 32-16,1 1 0 0,2 6-880 0,7 3-160 15,7 0-32-15,7 1-13232 16</inkml:trace>
+</inkml:ink>
+</file>
+
+<file path=ppt/ink/ink17.xml><?xml version="1.0" encoding="utf-8"?>
+<inkml:ink xmlns:inkml="http://www.w3.org/2003/InkML">
+  <inkml:definitions>
+    <inkml:context xml:id="ctx0">
+      <inkml:inkSource xml:id="inkSrc0">
+        <inkml:traceFormat>
+          <inkml:channel name="X" type="integer" max="30347" units="cm"/>
+          <inkml:channel name="Y" type="integer" max="20231" units="cm"/>
+          <inkml:channel name="F" type="integer" max="65535" units="dev"/>
+          <inkml:channel name="T" type="integer" max="2.14748E9" units="dev"/>
+        </inkml:traceFormat>
+        <inkml:channelProperties>
+          <inkml:channelProperty channel="X" name="resolution" value="1000.23071" units="1/cm"/>
+          <inkml:channelProperty channel="Y" name="resolution" value="1000.04944" units="1/cm"/>
+          <inkml:channelProperty channel="F" name="resolution" value="0" units="1/dev"/>
+          <inkml:channelProperty channel="T" name="resolution" value="1" units="1/dev"/>
+        </inkml:channelProperties>
+      </inkml:inkSource>
+      <inkml:timestamp xml:id="ts0" timeString="2024-01-12T21:18:03.343"/>
+    </inkml:context>
+    <inkml:brush xml:id="br0">
+      <inkml:brushProperty name="width" value="0.05292" units="cm"/>
+      <inkml:brushProperty name="height" value="0.05292" units="cm"/>
+      <inkml:brushProperty name="color" value="#FF0000"/>
+    </inkml:brush>
+  </inkml:definitions>
+  <inkml:trace contextRef="#ctx0" brushRef="#br0">5068 8058 13823 0,'-15'7'1216'0,"4"-2"-960"0,4-1-256 0,7-4 0 0,-5 3 1568 0,-5 3 272 0,-6 4 48 0,-8 6 16 31,-11 5-656-31,-5 1-128 0,-2 6-32 0,0-5 0 15,-3-1-2048-15,1-2-432 0,-1 1-80 0,1-6 0 16,1 1 96 0,3-4 32-16,-1-1 0 0,0-6 0 0,2 3 1968 0,-1-2 400 0,4-5 64 0,-3 6 32 15,-1-3 608-15,-2-2 112 0,1 1 16 0,-5-1 16 16,1 5-784-16,3-2-176 0,-3 0-16 0,1-1-16 16,2 1-624-16,1-2-112 0,6-1-16 0,-7 2-128 15,4-1-544-15,-2 4-224 0,1 2-32 16,1-2-16-16,0 5-144 0,-1 0-16 0,-1 0-16 15,-3 4 0-15,1 1 832 0,-4 3 160 0,3-3 0 0,5 2 0 0,-3 0 816 16,1 1 80-16,2-1 0 0,1 0 16 0,4 2-64 16,-2 0-16-16,1 3 0 0,-1-1 0 0,2 1-576 0,0-3-112 15,5 0-16-15,0 5-128 0,2-2 128 0,1 1-128 16,4 4 0-16,0-1 0 0,4 5 464 0,3-1 48 16,4-3 0-16,-1 3 0 0,8-1 256 0,1-3 48 15,5 5 16-15,3-2 0 0,2-3-272 0,1 5-48 16,2-1-16-16,1-3 0 0,0 1-256 0,2-1-48 15,0 6-16-15,0-3 0 0,1-3-176 0,1 4 128 16,0 4-128-16,3-2 128 0,-2 0-128 0,3 1 0 0,-1 4 0 16,-2-1 0-16,-1-1 0 0,3 2 0 0,0 0 0 0,2-2 0 15,-2 1 0-15,2-1 160 0,-2 2-160 0,4 2 160 16,3-2-160-16,2-2 128 0,3 1-128 0,4-1 128 16,4-2 0-16,4-1-128 0,2-2 192 0,4 0-64 15,-2 1 192-15,-47-34 16 0,98 60 16 0,-98-60 0 16,103 56-160-16,-103-56-48 0,111 54 0 0,-111-54 0 0,120 45-144 0,-52-20 0 15,2-4 0-15,2-2 128 0,1 0-128 0,0-1 0 16,-2-3 0-16,3 1 0 0,-7 0 0 0,7 1 0 16,2 2 0-16,5 2 0 0,0-2 0 0,-2 0 0 15,-6 2 0-15,2-2 0 0,0 2 0 0,0-2 0 16,1 2 0-16,6-1 0 0,7-1 0 0,2-2 0 16,1 4 0-16,-3 2 0 0,2-1 0 0,1-1 128 15,2 0-128-15,4-2 192 0,8 4 64 0,-3 0 0 16,-6 1 16-16,1 4 0 0,-4 0-64 0,4-4-16 15,5 7 0-15,-1-6 0 0,-1 3-64 0,-3-2 0 0,-4 2-128 16,0-4 192-16,2-1-192 0,5-1 0 0,2 3 0 0,-4-6 0 16,-5 0 0-16,6-5 0 0,-1 0 0 0,7 0 0 15,2-2 144-15,0-2-144 16,-1 3 128-16,-4-5-128 0,-4 3 256 0,4-4-16 0,6-4-16 0,-2 2 0 16,-1-1-96-16,-3-1 0 0,-4 3-128 0,-5-3 192 15,2 1-192-15,-2-4 0 0,2 0 0 0,-5 1 0 16,-9 3 0-16,-2-1 0 0,-5 1 0 0,1 1 0 15,3-1 0-15,3-3-208 0,0 1 32 0,1 0 16 0,-3 1 16 16,1 6 0-16,-3 0 0 0,4-4 0 16,-4 4 144-16,8-4 0 0,4-2-144 0,3 3 144 0,1-3 0 15,0 0 0-15,-2-1 0 0,4-4 0 16,5-3 0-16,9-3-176 0,5 1 176 0,-2-4-128 0,-7 8 128 0,2-4-208 16,6-4 80-16,2 3 128 0,12-3-128 0,-10 6 128 15,-3 3 0-15,-2 0 0 0,1-3 0 16,2 3 0-16,5 2 0 0,-6 2 0 0,-7 7 0 0,0-2 0 15,5 3 0-15,0-5 128 16,9 6 16-16,-8-2 0 0,-1 3 0 0,-2-5 0 0,-1 5 32 0,7-7 0 16,3 0 0-16,-1 6 0 0,-8-2-176 0,-1 3 192 15,0-2-192-15,5-1 192 0,2-2-64 0,-4 3-128 0,0-1 192 16,0 2-64-16,4-6-128 0,5 2 128 0,5-2-128 16,-1-2 128-16,-3 1-128 0,6-2 0 0,-1-1 0 0,2-1 128 15,1 6-128-15,1-6 0 0,1 0 0 0,6-6 0 16,1 1 0-16,3-4 0 0,-7-1 128 0,3-6-128 15,0-3 0-15,9-3 0 16,6-5 0-16,-3-2 0 0,3-4-464 16,1 1-32-16,2-1 0 0,-4 0 0 0,-10 5-368 15,2 0-80-15,1 8-16 0,-8 0 0 16,-1 3 96-16,-4 7 16 0,-1 1 0 0,1 2 0 0,-1 7 848 16,-3 0 192-16,0 0 16 0,0 3 16 0,0 3 432 0,1 2 96 15,-1-1 16-15,0 2 0 0,0 1-496 0,2 3-80 0,3-3-32 0,-3 4 0 16,-2-4-160-16,0 1-256 0,2 1 64 0,1 2 16 0,2-4-144 0,-3 4-48 15,-2 2 0-15,3-7 0 0,2 1 368 0,-1-1 0 32,-4 3 0-32,-2-5 0 0,2-3 336 0,5 1 144 0,2-2 32 0,-7 1 0 0,-2-1 16 0,-1-1 16 15,3-2 0-15,-2 2 0 16,2 1-224-16,-4-1-64 0,-3 0 0 0,2-6 0 0,1-3-128 0,1 2-128 16,-1 0 192-16,1-6-192 0,-8-3 0 0,4 0 0 15,4-5 0-15,-1 0 0 16,1 0 0-16,-8-2-144 0,-1 2-16 0,3-2 0 0,2 0-80 0,-5 0-16 15,1 2 0-15,-1-2 0 16,2 0 256-16,-3 0 0 0,6 0-160 0,-1-3 160 0,1 1 0 0,-4-1 192 0,2 3-32 0,4-3 0 16,5-1-16-16,-4 4 0 15,1-1 0-15,-4-1 0 16,-2 4-144-16,0-4 0 0,1 8 0 0,-5-3 128 16,3-4-128-16,1-3 0 0,11-4 0 0,1-3 0 0,1-1 0 0,-6-3 0 0,-2-3 0 15,-3 4 0-15,-3 6 0 0,-8-2 0 0,-3-3 0 0,-5 3 0 16,-2-2 0-16,-7-4 0 15,2 1 0-15,-2-9 0 0,-5-6 0 0,-7-3 128 0,-2-2 32 0,-7-3 0 16,-3-4-160-16,-4-6 0 0,1-3 0 16,-8-3 0-16,-3 2 0 0,-8 4-176 15,-4-3 16-15,-7 1 0 0,-6-1 160 0,-5 6 0 16,-7-2 0-16,-8-1 0 0,-3 4 0 0,-9-3 0 0,-8 4 192 0,-8-2-64 16,-10 5-128-16,-9 0 144 15,-8-2-144-15,-12 0 160 0,-8 8-160 0,-4 2 0 16,-12-1-192-16,-7 2 192 0,-13-2-256 0,-4 2 64 15,-11 3 0-15,-5-3 16 0,-8-2 32 0,-4 0 0 16,1-2 0-16,-12 2 0 0,-10 4 144 0,1 1 0 0,-1 3-144 0,-2-1 144 16,-7 6 0-16,2-3 0 0,-1 1 0 0,-6 2 0 15,-6 5 0-15,-3-2 0 0,-8-1 0 0,1 3 0 16,2 6 160-16,-1-1-160 0,-1-1 192 0,-10 1-192 16,-7 0 128-16,-15-1-128 0,-11 4 0 0,-4 8 0 15,-2 6 0-15,5-2 0 0,6 0 0 0,-2 6 0 16,7-4 0-16,-7 0 0 0,-4 4 160 0,1-6-160 15,3-2 304-15,1 3-32 0,8-4 0 0,0 1 0 16,1 2-272-16,-12 1 0 0,-6-3 0 0,-5 3 0 16,6 1 0-16,0-2 0 0,2 7 0 0,3-3-144 0,7 2 144 0,4-4 0 15,5 0-144-15,-5-2 144 0,1 6 0 16,2-2 192-16,4 3-32 0,-8-3 0 16,-2-2-160-16,2 5 0 0,3 2 0 0,4-2 0 0,6-5-128 15,-2-1-128-15,4 4 0 0,5-4-16 0,7-1 32 0,-9-1 16 16,-2 1 0-16,6-2 0 0,10 3 32 0,-6-1 0 15,-1 4 0-15,4-6 0 0,5 1 192 0,3 7 0 0,-5-1-160 0,7 1 160 16,-2-2 0-16,4-2 0 0,0 8 0 0,-2-6 0 16,-2 2 0-16,2-1 0 0,-3 3 0 0,1-3-176 31,-3-3-448-31,5 5-80 0,-4 3-32 0,1-3 0 16,-4 2-288-16,3-2-64 0,4 4-16 0,-5-2 0 0,3-2 416 15,4 2 96-15,3-1 16 0,0 1 0 0,-3 0 576 0,0-2 240 0,3 9-16 0,-5-2 0 16,-2 2 32-16,-3 2 0 15,3 8 0-15,-5-1 0 0,-5 3-128 0,2 2 0 0,3 0-128 0,-5 5 192 0,1 2 48 16,1-2 0 0,6 2 0-16,-1-2 0 0,-2 4-80 0,5-4-16 0,4 2 0 0,-2-2 0 15,0 4 16-15,5-2 0 0,9-2 0 0,-2 2 0 0,2 2 512 0,-3-1 96 16,4 3 32-16,-6-5 0 0,-4 0-160 0,6-3-16 16,6 7-16-16,-10-1 0 0,0-2-400 0,4 2-80 15,8 3 0-15,-7 3-128 0,0-1 144 16,-5 5-144-16,4 6 0 0,-6 2 144 15,-2 6-144-15,3-1 0 0,9 4 0 0,-8-3 0 16,0 5-176-16,4 4 48 0,4 2 0 0,-1 4 0 16,2 1-16-16,0-2 0 0,5 5 0 0,-2 2 0 0,2 7 144 0,1 14-192 15,-1 10 192-15,-2 13-192 0,4 11-160 0,-4 1-32 0,2 5-16 0,-2 14 0 32,13 8-560-32,-6-1-96 0,0-2-32 0,16-5 0 0,15-7-1392 15,11-4-272-15</inkml:trace>
 </inkml:ink>
 </file>
 
@@ -3369,7 +3636,7 @@
   </inkml:definitions>
   <inkml:trace contextRef="#ctx0" brushRef="#br0">12877 4827 3679 0,'2'0'320'0,"-2"-2"-320"16,0 2 0-16,2 0 0 15,-2 0 208-15,2 0-16 0,1 0-16 0,-3 0 0 16,4 0-304-16,1-4-64 0,-4 4-16 0,1 4 0 16,3-4-176-16,-5 0-16 0,0 0-16 0,0 0 0 0,0 0 416 0,0 2 256 15,0-2-48-15,-3 0 0 0,3 0 496 0,-2 0 80 16,0 0 32-16,2 0 0 0,-1 0 112 0,2 3 32 15,1-3 0-15,0 0 0 0,1 4-448 0,-3-3-64 16,0 3-32-16,2 1 0 0,2-2-416 0,-8 3 0 0,4-3 0 0,-2 2 0 16,2 4 0-16,-3-2 0 15,1 2-160-15,0 1 160 0,1-1 0 0,1 0 0 16,-4 5-128-16,3 1 128 0,1-1 0 0,-2 4 0 16,2-4 144-16,0 3-144 0,0 0 448 0,2-3 0 15,-1 0 0-15,-1 4 0 0,4-6-288 0,-4 2-160 16,0 0 160-16,0-2-160 0,-4 0 0 0,3-1 0 0,-1-3 0 0,0 1 0 15,-1 3 240-15,1-7 48 0,0 1 16 0,0 2 0 16,2-4 224-16,0 1 48 0,0-2 16 0,0 3 0 16,2-3-80-16,0 2 0 15,-2 2-16-15,2-1 0 0,-2-1-112 0,0 4-32 0,0 3 0 0,0-2 0 16,-2 6-352-16,0-6 0 0,2 3 0 0,0-5 0 16,0 1 0-16,0-4-160 0,2-5 16 0,0 5 0 15,1-5 144-15,-3 0 0 0,2 0-144 0,1-1 144 16,2 1 240-16,-1-4 112 0,-1 8 32 0,3-8 0 15,-3 4 400-15,2 0 96 0,-1-3 16 0,3 3 0 16,2-2-432-16,1-2-80 0,0 4 0 0,-10 0-16 16,0 0-160-16,0 0-16 0,0 0-16 0,0 0 0 15,89-8-48-15,-89 8-128 0,0 0 192 0,0 0-64 16,82-19 128-16,-82 19 32 0,0 0 0 0,77-35 0 0,-77 35-128 16,57-39-32-16,-57 39 0 0,61-40 0 15,-61 40-1376-15,54-43-288 0</inkml:trace>
   <inkml:trace contextRef="#ctx0" brushRef="#br0" timeOffset="915.8">13120 5077 15663 0,'0'-1'1392'0,"5"-3"-1120"0,-2 4-272 0,-1-3 0 16,1 3 192-16,1-2 0 15,3-2-16-15,3 1 0 16,4-2-1952-16,-5 1-384 0,0-1-80 0,-1 5 0 0,-6-3 1760 0,-4 3 480 16,-1 3-144-16,-2-3 144 0,-4 3 0 0,-3-1-160 15,0 2 160-15,1-1 0 0,-3 2-128 0,-3 4 128 0,1 0 0 16,-1 0-144-16,3-4 144 0,0 3-128 0,2-2 128 0,1 2 0 16,2 1 832-16,1 0 256 0,-1 0 64 0,0-1 16 15,4 1-400-15,-2 0-64 0,5-1-32 0,-5 5 32 16,2-3-704-16,0-1 0 0,0 3 0 0,1-3 0 15,-1-1 0-15,2 3-160 0,-1-4 160 0,2-2-144 32,4 0-368-32,-4-1-80 0,2 1-16 0,0-5 0 0,2 3 400 0,2-6 80 0,-1 3 128 0,2-5-208 15,4 1 928-15,1-5 192 0,3 4 48 0,-1-3 32 16,-2-1 48-16,4-2 16 0,2 3 0 0,-2-5 0 16,-2 5-208-16,-2-4-32 0,3 1-16 0,-1-1 32 0,2-2-64 0,3 2-32 15,-3-6 0-15,4-1 0 0,1 2-384 0,2-9-80 16,-4 0-16-16,4-6 48 0,3 1-304 0,3-4 0 15,2 4 0-15,-1-4-144 0,5 0 144 0,4-2 0 16,3-1 128-16,3 2-128 0,1-3 144 0,5 4-144 16,1-1 192-16,6 4-192 0,-2-2 0 0,-2 2 0 15,-5-1 0-15,-5 5-144 0,-3-1-144 0,-39 29-32 16,69-42 0-16,-69 42 0 0,67-35 320 0,-67 35 0 16,64-30 176-16,-64 30-176 0,70-31 512 0,-70 31 0 15,87-28 0-15,-87 28 0 0,110-35-192 0,-110 35-32 16,125-38-16-16,-125 38 0 0,122-40-272 0,-122 40 128 0,117-44-128 0,-117 44 0 31,117-34-1040-31,-117 34-320 0,111-33-64 0,-111 33-9216 0</inkml:trace>
-  <inkml:trace contextRef="#ctx0" brushRef="#br0" timeOffset="41932.21">17898 4031 2751 0,'-4'5'256'0,"1"-2"-256"16,1-1 0-16,2-2 0 0,0 0 288 0,0 0 16 0,2 4 0 0,-4 1 0 15,2-2 144-15,-3 2 16 0,3 1 16 0,-2-6 0 16,4 3 736-16,-2-3 128 0,0 4 48 0,0-4 0 0,0 0 192 0,-2-4 32 15,0 4 16-15,0-3 0 0,-3 3-736 0,-2 0-160 16,-3 0-32-16,1 0 0 0,-3 0-576 0,0 0-128 16,-2 0 0-16,0 3 0 0,0-3 0 0,-4 4 0 15,1-3 0-15,-1 3 0 16,3-1 0-16,-1-1 0 0,-1-2 0 0,-1 4 0 16,1-4 0-16,3 3 0 0,5-1 0 0,-5 1 0 0,5 6 192 15,-1-4 64-15,1 4 0 0,1 0 0 0,1 3 0 0,0-2 0 0,1 2 0 0,1 1 0 16,2 1-256-16,1-2 0 15,0 2 0-15,2 0-160 0,2 0 160 0,-2-2 0 16,2 5 0-16,1 2 0 0,-3-1 0 0,2 3 0 0,1 1 0 0,1-1 0 31,1-2 0-31,-1 4 0 0,1-6 0 0,0 4 128 16,2-3 288-16,2-1 64 0,1-3 16 0,2 0 0 16,2 2-496-16,4-8 0 0,-4 1 0 0,-14-9 0 0,0 0 0 15,0 0 0-15,0 0 0 0,104 2 0 0,-104-2 0 0,0 0 0 16,77-26-128-16,-77 26 128 0,0 0 0 0,96-51-192 15,-96 51 192-15,66-42-160 0,-66 42 160 0,0 0 0 16,92-59 0-16,-92 59 0 16,0 0-928-16,70-52-96 0</inkml:trace>
+  <inkml:trace contextRef="#ctx0" brushRef="#br0" timeOffset="41932.22">17898 4031 2751 0,'-4'5'256'0,"1"-2"-256"16,1-1 0-16,2-2 0 0,0 0 288 0,0 0 16 0,2 4 0 0,-4 1 0 15,2-2 144-15,-3 2 16 0,3 1 16 0,-2-6 0 16,4 3 736-16,-2-3 128 0,0 4 48 0,0-4 0 0,0 0 192 0,-2-4 32 15,0 4 16-15,0-3 0 0,-3 3-736 0,-2 0-160 16,-3 0-32-16,1 0 0 0,-3 0-576 0,0 0-128 16,-2 0 0-16,0 3 0 0,0-3 0 0,-4 4 0 15,1-3 0-15,-1 3 0 16,3-1 0-16,-1-1 0 0,-1-2 0 0,-1 4 0 16,1-4 0-16,3 3 0 0,5-1 0 0,-5 1 0 0,5 6 192 15,-1-4 64-15,1 4 0 0,1 0 0 0,1 3 0 0,0-2 0 0,1 2 0 0,1 1 0 16,2 1-256-16,1-2 0 15,0 2 0-15,2 0-160 0,2 0 160 0,-2-2 0 16,2 5 0-16,1 2 0 0,-3-1 0 0,2 3 0 0,1 1 0 0,1-1 0 31,1-2 0-31,-1 4 0 0,1-6 0 0,0 4 128 16,2-3 288-16,2-1 64 0,1-3 16 0,2 0 0 16,2 2-496-16,4-8 0 0,-4 1 0 0,-14-9 0 0,0 0 0 15,0 0 0-15,0 0 0 0,104 2 0 0,-104-2 0 0,0 0 0 16,77-26-128-16,-77 26 128 0,0 0 0 0,96-51-192 15,-96 51 192-15,66-42-160 0,-66 42 160 0,0 0 0 16,92-59 0-16,-92 59 0 16,0 0-928-16,70-52-96 0</inkml:trace>
   <inkml:trace contextRef="#ctx0" brushRef="#br0" timeOffset="42602.68">18185 3714 3679 0,'-5'-6'320'0,"2"3"-320"16,3-1 0-16,0 4 0 0,0 0 592 0,-4 0 48 15,2 0 16-15,-3 0 0 0,2 0 928 0,-4 0 176 16,5 4 32-16,-3 1 16 0,3-1-320 0,0 1-64 16,2 0-16-16,0 2 0 0,0 2-256 0,0-4-64 15,2 4-16-15,-2 3 0 0,2-2 0 0,-2 2 0 16,0 2 0-16,-2 0 0 0,0 4-304 0,2 3-64 15,-5 1-16-15,3 1 0 0,0-2-240 0,-1 5-64 16,-1 2 0-16,3 3 0 0,1 2-192 0,0 4-64 16,0 1 0-16,0-1 0 0,0 6 48 0,0-3 0 15,0 0 0-15,0 0 0 0,0 1-176 0,0-3 0 0,1-3 0 0,1-4 0 16,3-3 0-16,-1-2 0 0,1 0 0 16,4 0 0-16,-4-5-192 0,4-3 192 15,0-4-160-15,-1-4 160 16,-4-1-576-16,1-6-32 0,0 1 0 0,-1-4 0 15,-1-7-240-15,-1 1-48 0,1-2-16 0,-1-6 0 16,0 2 192-16,0-6 32 0,-2 1 16 0,0-2 0 16,0-2 96-16,0-2 32 0,0-3 0 0,0 0 0 0,3 0 416 0,-3-2 128 15,4 2 0-15,1 0 0 0,-2-2 0 0,4 2 0 0,2-1 0 0,3 7 0 16,-1 0 0-16,4 0 0 0,-1 6 0 0,4 1 144 16,-18 13-144-16,0 0 160 0,0 0-160 0,0 0 160 15,0 0 192-15,92-14 32 0,-75 20 16 0,-4 6 0 0,1 0 464 0,-4 4 96 16,-1 1 0-16,-1 8 16 0,-2-1-16 0,-3 6 0 15,1 1 0-15,-4 0 0 0,0-1-192 0,0 1-32 16,0-1-16-16,0 1 0 16,1-3-336-16,1 5-80 0,0-5-16 0,1-2 0 0,1-3-288 0,1-1 0 15,0-4 0-15,4-1-144 0,0-5-144 16,-1-3-32-16,6-7 0 0,-1-2-9040 16,4-2-1824-16</inkml:trace>
   <inkml:trace contextRef="#ctx0" brushRef="#br0" timeOffset="43170.33">18957 4217 7359 0,'4'5'656'0,"-4"-1"-528"15,5-1-128-15,-5-1 0 0,0-2 496 0,0 3 64 0,2 3 16 0,-2 2 0 0,0 4 336 0,-2 2 80 16,-3 0 16-1,-4-1 0-15,0 0 672 0,1 0 144 0,-1-5 32 0,0-2 0 0,0-1-336 0,1-2-64 16,1 3-16 0,0-6 0-16,3 0-832 0,-4-2-160 0,2-2-48 0,1 1 0 15,2 3-400-15,-4 0 0 0,5-2 0 0,-5 2 0 0,5 2 0 0,-5 1 0 16,2 3 0-16,0 1 0 16,-4-2 0-16,4 3 0 0,-4 1-144 0,0 0 144 15,1 0 0-15,-1 1 0 0,2 2-128 0,-2 2 128 16,2 4 0-16,0-1 0 0,2 4 0 0,-4-2 0 15,4-2 0-15,2 4 0 0,1-3 0 0,2-1 0 0,2-3 0 16,1 0 144-16,6-5-16 0,-4-1 0 16,7 1 64-16,-1-4 16 0,3-1 0 0,3-1 0 0,-17-3-208 15,0 0 0-15,0 0 0 0,0 0 0 0,106-12-128 0,-106 12 128 0,0 0 0 0,0 0 0 32,96-40-144-32,-96 40 144 0,0 0 0 0,67-49-144 0,-67 49 144 0,0 0 0 15,60-55-144-15,-60 55 144 16,32-42-384-16,-20 21 0 0,-3 0 0 0,-1-2 0 15,-2 1-400-15,-3-1-96 0,-1 0-16 0,-2 3 0 16,0 2 240-16,0 4 32 0,-2 2 16 0,0 7 0 16,1 5 608-16,1 3 0 0,0 2 0 0,-4 4 0 0,4 2 0 0,4 4 192 15,-1-1-32-15,4 4 0 0,0 1 480 0,-2-2 80 16,4-1 32-16,0-2 0 0,-4 3-144 0,4-3-32 16,-1 0 0-16,1 4 0 0,0-1 368 0,0 6 64 15,-1-2 16-15,1-4 0 0,-4 2-384 0,2-3-80 16,2-2-16-16,-2 0 0 0,2-2-544 0,-1-3 0 15,5-4 0-15,-1 0-144 16,2-2-992-16,-2-3-192 0,4-3-32 0,-4 1-6864 0,2-6-1376 0</inkml:trace>
   <inkml:trace contextRef="#ctx0" brushRef="#br0" timeOffset="43617.83">19534 4168 4607 0,'0'-9'0'0,"0"6"192"0,2-2-48 0,-2 1-16 0,0 4-128 0,0 0 0 0,0 0 0 0,0 4 0 0,0-1 1792 0,-2 2 336 16,-1 4 64-16,-1 3 16 0,-1 2-480 0,0 0-80 16,-2 4-32-16,1-1 0 0,3 0-640 0,1 1-128 15,-1-1-16-15,3 1-16 0,0 1-128 0,0-2-32 16,3 4 0-16,-3-2 0 0,5-1-400 0,-1 3-96 16,1-2-16-16,-1 5 0 0,1-5-144 0,-2 2 0 15,3-2 0-15,-3-1 0 16,-1-1 0-16,1 1-176 0,-1-4 176 0,-2-2-128 0,0 2 0 0,-2-6 0 15,2 1 0-15,-3-4 0 16,1-1-448-16,-1-1-64 0,3-1-32 0,-6-4 0 16,5-1 64-16,1-2 16 0,0-2 0 0,3-2 0 0,1-1 256 0,-1-3 48 0,2-1 16 15,4-3 0-15,-4 0 272 0,4-1-192 0,0-1 192 16,-4-5-160-16,4 1 160 0,-1-3 0 16,4 0 0-16,-3-6 128 0,0 5 160 0,0-5 32 0,1-3 16 0,-1 0 0 15,3 4 64-15,-3 0 16 16,-1 1 0-16,-2 4 0 0,1 7 16 0,-2 3 0 0,-3 7 0 0,1 4 0 15,-3 5-144-15,4 0-32 0,-4 4 0 0,1 1 0 16,3-2 416-16,-1 3 80 0,2 2 16 0,4 1 0 16,0 0-320-16,0 0-48 0,3-1-16 0,2-3 0 0,0 4-384 0,0-4 0 31,3-1 0-31,-17-4 0 0,0 0 0 0,0 0 0 0,0 0-160 16,105-12 160-16,-105 12-816 0,0 0-64 0,0 0-16 0,90-37-10080 0</inkml:trace>
@@ -3413,7 +3680,7 @@
     </inkml:brush>
   </inkml:definitions>
   <inkml:trace contextRef="#ctx0" brushRef="#br0">7552 3943 4079 0,'-26'21'368'0,"12"-10"-368"0,5-4 0 0,0-2 0 15,6-5 0-15,0 0 0 0,1 0 0 0,-2 0 176 16,-1-3-176-16,-2 1 192 16,2-5-192-16,0 2 0 0,-2-4 0 0,0 0 0 0,0 0-128 0,1 6 128 15,-2 1 0-15,-4 2 0 0,1 2-128 0,-1 1 128 16,0 3 0-16,1 1 0 0,-3-6 480 0,6 6 176 0,-1-1 48 0,0-1 16 15,-3-2 224-15,3 3 32 0,4-3 16 0,0-1 32 16,1 1-672-16,-1 1-128 0,2-3-32 0,-3-1 32 16,-1 4-224-16,-1-4 0 15,-1 3 0-15,-1-1-128 0,-3 5-64 0,-1 2 0 16,0 1 0-16,-3 8 32 0,0-1-32 0,-4 6-16 16,2 3 0-16,-4 0 32 0,2 0 352 0,-2 4 64 15,1-2 16-15,1 3 16 0,-2-1 560 0,0-3 96 0,6 3 32 0,0-7 16 16,-1 3-288-16,4-4-64 0,-1-1-16 0,1-1 32 0,0 0-448 15,0 3-192-15,3 0 160 0,1-2-32 16,-2 1-128-16,3 1 0 0,4 1-128 0,-1-1 128 16,-2 0 0-16,3-1 0 0,1 4 0 0,-1 0 176 15,1 2 304-15,4-2 64 0,-5 1 16 0,3-1 0 0,1 0-96 0,1 0-16 16,1 5 0-16,-1-1 0 0,2 3 64 0,0-3 0 16,1 1 0-16,-1-5 0 0,5 0-128 0,-2-3-32 15,7-2 0-15,2-4 0 16,4-1-64-16,1 0-16 0,5-3 0 0,-4 0 0 15,-20-13-272-15,0 0 0 0,0 0 0 0,92 36 0 16,-71-27 0-16,-4 0 0 0,2-1-128 0,2 1 128 0,-2 5 0 0,2-5 0 16,0 3-128-16,2-2 128 15,-23-10 0-15,0 0 0 0,75 27 0 0,-75-27 0 0,0 0 0 0,0 0 0 0,94 22 0 0,-94-22 0 16,0 0-240-16,0 0 48 0,118-19 16 0,-118 19 0 31,0 0-32-31,86-38-16 0,-86 38 0 0,0 0 0 16,77-49 224-16,-55 30 0 0,1-4 0 0,-2-1 0 0,-2-4-128 0,2-2-48 0,-2-1 0 0,2 0 0 15,-4-4-176-15,1-5-32 16,-1 1-16-16,-1-1 0 0,0 5-192 0,-2 2-48 0,-1 0 0 16,1 2 0-16,-1 3 400 0,1 2 80 15,-2 3 16-15,2 2 0 0,0 4 144 0,1 0 0 16,-1 3 0-16,4-4 128 0,-4 9-128 0,3-4 0 0,0 4 0 16,1-3 0-16,-1-2-192 0,-6 2-16 0,-4 3 0 0,-4 0 0 31,-5 2-448-31,-3 0-96 0,-3 5-16 0,-1-1 0 0,-2-2 768 0,3-2 208 15,-1 2 16-15,0-1 0 0,2-2 736 0,2-5 160 0,2-1 32 0,1-3 0 16,2-4-800-16,-5-2-160 16,5-3-16-16,-4 0-16 15,1 0-736-15,-3-5-128 0,1-4-48 0,-7 2 0 16,0 0-208-16,-2 1-32 0,-4-2-16 0,-1 2 0 0,-2 4 784 0,-1-3 224 0,-4 1 0 16,-6-1 0-16,6 10 592 0,-4-2 240 0,3 1 64 15,-3-1 0-15,2-1 0 0,-2 1 16 0,4 1 0 0,2-5 0 16,-1 0-608-16,3-3-128 0,4 4-32 0,4 3 0 31,0 6-464-31,6 3-80 0</inkml:trace>
-  <inkml:trace contextRef="#ctx0" brushRef="#br0" timeOffset="1063.35">8378 3019 4607 0,'-9'3'400'0,"4"1"-400"15,0-3 0-15,5-1 0 0,0 0 320 0,-4 0 0 16,-1 0-16-16,-2 4 0 16,-2-1-304-16,-1-1-224 0,3-2 32 0,0 4 16 15,4-4-432-15,-4 0-96 0,5 0 0 0,-5 0-16 0,2 0 720 0,-1 3 368 16,-2-1-48-16,-1-2 0 0,0 3 976 0,1 2 192 15,-1-1 48-15,-2-1 0 0,1 3-304 0,-1-3-48 16,3 2-16-16,-6-1 0 0,2 1-656 0,-1 0-144 16,3 1-32-16,-4 0 0 0,2 0-336 0,0-3 128 0,3 2-128 0,2 1 0 15,3-3 0-15,-3 1 0 0,6 1 0 0,1 0 0 16,0 2 352-16,0-2 0 16,1 0 0-16,3 4 0 15,3 0-112-15,0 3-32 0,0-1 0 0,-2 1 0 0,4 5-16 0,-4-3-16 0,4 4 0 0,3-1 0 16,-3 0-48-16,-1 1 0 0,5-1 0 0,1-3 0 31,-1 0-128-31,1 0 0 0,0-2 0 0,2-3 128 16,-2 0-128-16,3-1 0 0,1-2 0 0,-4-3 128 0,0 0 32 15,1-3 0-15,1 0 0 0,0-3 0 0,1-2 448 16,-3-2 96-16,4-4 0 0,-5-4 16 0,3 1-144 0,0-4-16 16,0-1-16-16,-3-2 0 0,5-1-336 0,-8-4-64 15,-1 5-16-15,-2-4 0 0,-2 1-128 0,-1 5-224 16,-4-2 48-16,-4 3 16 0,-1 1 160 0,-2 3 0 15,0-3 0-15,0 3-128 0,2 0 400 0,0-2 96 16,1-1 16-16,4-3 0 0,0 0-48 0,0 2 0 16,5 4 0-16,-1 0 0 0,1 6-512 0,-1-1-96 15,-3 5-32-15,-2 4 0 16,1 4-1424-16,-7-1-304 0</inkml:trace>
+  <inkml:trace contextRef="#ctx0" brushRef="#br0" timeOffset="1063.37">8378 3019 4607 0,'-9'3'400'0,"4"1"-400"15,0-3 0-15,5-1 0 0,0 0 320 0,-4 0 0 16,-1 0-16-16,-2 4 0 16,-2-1-304-16,-1-1-224 0,3-2 32 0,0 4 16 15,4-4-432-15,-4 0-96 0,5 0 0 0,-5 0-16 0,2 0 720 0,-1 3 368 16,-2-1-48-16,-1-2 0 0,0 3 976 0,1 2 192 15,-1-1 48-15,-2-1 0 0,1 3-304 0,-1-3-48 16,3 2-16-16,-6-1 0 0,2 1-656 0,-1 0-144 16,3 1-32-16,-4 0 0 0,2 0-336 0,0-3 128 0,3 2-128 0,2 1 0 15,3-3 0-15,-3 1 0 0,6 1 0 0,1 0 0 16,0 2 352-16,0-2 0 16,1 0 0-16,3 4 0 15,3 0-112-15,0 3-32 0,0-1 0 0,-2 1 0 0,4 5-16 0,-4-3-16 0,4 4 0 0,3-1 0 16,-3 0-48-16,-1 1 0 0,5-1 0 0,1-3 0 31,-1 0-128-31,1 0 0 0,0-2 0 0,2-3 128 16,-2 0-128-16,3-1 0 0,1-2 0 0,-4-3 128 0,0 0 32 15,1-3 0-15,1 0 0 0,0-3 0 0,1-2 448 16,-3-2 96-16,4-4 0 0,-5-4 16 0,3 1-144 0,0-4-16 16,0-1-16-16,-3-2 0 0,5-1-336 0,-8-4-64 15,-1 5-16-15,-2-4 0 0,-2 1-128 0,-1 5-224 16,-4-2 48-16,-4 3 16 0,-1 1 160 0,-2 3 0 15,0-3 0-15,0 3-128 0,2 0 400 0,0-2 96 16,1-1 16-16,4-3 0 0,0 0-48 0,0 2 0 16,5 4 0-16,-1 0 0 0,1 6-512 0,-1-1-96 15,-3 5-32-15,-2 4 0 16,1 4-1424-16,-7-1-304 0</inkml:trace>
   <inkml:trace contextRef="#ctx0" brushRef="#br0" timeOffset="1446.55">8695 3013 9215 0,'0'4'816'0,"0"-4"-656"0,2-4-160 0,1 4 0 15,1 0 176-15,-1-1 0 0,4-3 0 0,4 1 0 16,3 3-176-16,0-6 192 0</inkml:trace>
   <inkml:trace contextRef="#ctx0" brushRef="#br0" timeOffset="1879.57">8739 3066 16575 0,'-7'5'736'0,"5"-5"160"16,-2 3-720-16,8-6-176 0,-2 3 0 0,1-5 0 0,2 1 512 0,2-5 64 16,7-8 0-16,6-2 16 15,0-7-944-15,1-4-192 0,-7 6-32 0,-2 3-16 16,-5 3-912-16,-3 10-176 0,-6 3-48 0,-5 5 0 16,-3 1 832-16,1 8 144 0,-3 0 48 0,-2-1 0 0,2 8 1728 0,1-5 336 15,4 2 80-15,2 0 16 0,2-5 144 0,3 1 16 0,3 0 16 0,2-1 0 16,2-2-928-16,2 2-176 15,5-2-32-15,-5 2-16 0,5 1-480 0,-4 0-128 16,2-1-16-16,0 5 0 0,-3 1-112 0,0 3-32 0,0 0 0 0,-1 6 0 16,-1 0 288-16,0 1 0 0,-3-1 0 0,1 3 0 15,-5-3 0-15,0 3 0 0,0 1 0 0,-4 0 144 16,1-3-144-16,1 0 192 0,-5-3-192 0,2 0 192 16,3-2-192-1,-5-5 128-15,6-2-128 0,-3-3 128 0,4 0 16 0,-3-6 0 0,3-1 0 0,0-2 0 16,0 0-144-16,-2-5 128 0,2 1-128 0,0-1 128 15,0-4 224-15,-4-3 32 0,3-2 16 0,-3-3 0 0,1-6-112 0,-3 1-32 16,1-8 0-16,-2 2 0 0,-2-1-128 0,1-3-128 31,3 1 192-31,-1-4-192 0,-1 0 208 0,6-5-64 0,2 2-16 0,6-2 0 0,2 0 32 0,1 0 0 32,11 5 0-32,-1 0 0 0,6 11-160 0,0 3 0 15,-26 21 0-15,0 0-176 0,84-44 176 0,-84 44 0 16,0 0 0-16,71-35 0 0,-71 35-256 0,0 0 0 0,73-36-16 15,-73 36-10224-15</inkml:trace>
   <inkml:trace contextRef="#ctx0" brushRef="#br0" timeOffset="53063.48">3974 4093 2751 0,'-3'-8'256'0,"3"4"-256"15,0-1 0-15,0 5 0 0,3-4 384 0,-3 3 48 16,0-6 0-16,0-4 0 0,4-3-96 0,-4 2-16 0,0 0 0 0,-4 3 0 15,1 4-320-15,1 0-320 0,-5 1 64 0,2 1 16 0,0 1 48 0,-4 2 16 0,0-3 0 0,1 3 0 32,-1 0 176-32,-3-2-208 0,3 2 80 0,-1-4 128 15,-4 4 160-15,3 0 160 0,1 0 16 0,-2 4 16 16,6-2 384-16,-2-2 80 0,2 3 16 0,-1 2 0 16,2-1-176-16,0-3-16 0,1 8-16 0,-1-2 0 15,2-2-624-15,-2 8 0 0,-1-3 0 0,-1 2 0 16,2 2-432-16,-4 4-48 0,1 2-16 0,-3 0 0 15,2-3 240-15,1 4 32 0,-1-2 16 0,0-1 0 0,2-1 400 16,2 4 96-16,-4-2 16 0,1 2 0 0,-3 2 304 16,1-1 64-16,-1 4 16 0,-3-3 0 0,2 3-240 15,-2-3-64-15,-1 3 0 0,-1 0 0 0,4 0 208 0,-6-3 48 16,6 1 0-16,3-5 0 0,1 4 256 0,2-6 64 16,5-3 16-16,1 4 0 0,5-3-432 0,-3-1-96 15,6 4 0-15,-1-4-16 0,2 0-432 0,0 1 0 16,-1-1 0-16,1 0 0 0,0 4 0 0,-2 2 160 15,0 0-32-15,2 2-128 0,-4-1 960 0,4 2 96 16,-4 3 16-16,2 0 0 0,1 4-16 0,-1-2 0 16,2 3 0-16,0-5 0 0,1 5-432 0,1-5-96 15,1 1-16-15,-2-5 0 0,3 4-320 0,1-3-64 16,1-2 0-16,-15-21-128 0,0 0 1152 0,63 54 112 0,-63-54 16 0,0 0 16 31,89 33-1616-31,-89-33-336 0,0 0-64 0,118 7-16 0,-118-7 736 0,89 0 128 0,-89 0 48 16,89-2 0-16,-89 2-16 0,80-3 0 0,-80 3 0 0,0 0 0 15,105 3 0-15,-105-3 0 0,0 0 0 0,97 2 0 16,-97-2 0-16,0 0 0 0,89 17 0 0,-89-17 0 16,0 0-32-16,91 25 0 0,-91-25 0 0,0 0 0 15,108 19-128-15,-108-19 0 0,0 0 0 0,127 14 128 16,-127-14-128-16,0 0 0 0,119 7 0 0,-119-7 0 0,0 0 0 0,109 0 0 16,-109 0 0-16,0 0 0 0,107 2 0 0,-107-2 0 15,0 0 0-15,109 12 0 16,-109-12 0-16,0 0 0 0,115 14 0 0,-115-14 0 0,0 0 144 0,128 12 0 15,-128-12 0-15,82 0 0 0,-82 0-144 0,85-5 128 16,-85 5-128-16,98-18 128 0,-98 18-128 0,99-24 0 16,-99 24 0-16,108-28 0 0,-108 28-160 15,111-21 160-15,-111 21 0 0,105-14-144 0,-105 14 144 0,0 0 0 16,120 4 0-16,-120-4 0 0,0 0 0 0,110 17 0 16,-110-17 0-16,0 0 0 0,115 19 0 0,-115-19 0 0,87 9 0 15,-87-9 0-15,99 0 0 0,-99 0 0 0,105-2 0 0,-105 2 0 16,94-7 0-16,-94 7-128 0,82-5 128 0,-82 5 0 15,0 0-288-15,106-9 32 0,-106 9 0 16,0 0 0-16,110 4 256 0,-110-4-160 0,0 0 160 0,103 2-128 16,-103-2 128-16,0 0 0 15,113 0 0-15,-113 0 0 0,0 0 0 0,110 8 0 0,-110-8 0 16,0 0 0-16,98 12 0 0,-98-12 0 0,0 0 0 0,94 14 0 16,-94-14 0-16,0 0 0 0,90 9 0 0,-90-9 0 15,0 0 0-15,94-5 0 16,-94 5 0-16,0 0 0 0,101-21-224 0,-101 21 32 15,67-14 16-15,-67 14 0 0,66-17-16 0,-66 17-16 0,0 0 0 0,92-27 0 16,-92 27 208-16,0 0 0 0,75-22 0 0,-49 13-144 0,-1 0-64 0,4-3-16 16,-1-2 0-16,2 4 0 31,-30 10-192-31,61-25-32 0,-61 25-16 0,61-22 0 16,-61 22 0-16,63-18 0 0,-63 18 0 0,0 0 0 0,83-17 320 0,-83 17 144 0,0 0-128 0,84-10 128 0,-84 10 0 0,0 0 0 15,83-13 0-15,-83 13 0 0,0 0 0 0,0 0 0 16,95-12 128-16,-75 12-128 0,-2-2 0 0,-1 2 144 15,1 0-144-15,-1 0 0 0,2 0 0 0,-5 2 0 0,4-2 0 16,-1 4 0-16,-17-4 0 0,0 0 0 0,0 0 160 0,0 0-160 16,96 5 0-16,-96-5 0 0,0 0 128 0,0 0-128 15,0 0 0-15,98 7 0 16,-98-7 0-16,0 0 0 0,0 0 0 0,0 0 0 0,0 0 0 0,83 45 0 16,-69-31 656-16,-2-2 48 0,-3 0 16 0,5-1 0 15,-4 3-176-15,6-6-32 16,-2 5-16-16,-2-5 0 0,2 1-368 0,0 0-128 0,0-4 0 15,2-1 0-15,-16-4 0 0,0 0 0 0,0 0 0 0,0 0 0 0,0 0 0 0,92 13 0 32,-76-9 0-32,0-2 0 0,1 1-144 0,-1-3 144 15,-1 4 0-15,3-4-144 0,-4 1 144 0,3-1 0 0,1-1 0 0,-5-3-128 0,5 1 128 0,-1 3 0 32,-3 0 0-32,4-6 0 0,-1 1 0 0,1 2 0 0,-1-2 0 0,0-1 0 15,1-1 0-15,-18 7 0 16,0 0 0-16,0 0 128 0,75-5-128 0,-75 5 0 15,0 0 0-15,0 0 0 0,94 0 0 0,-94 0 0 0,0 0-144 16,0 0 144-16,101 0-368 0,-101 0 0 0,0 0 0 0,0 0 0 16,87 0 96-16,-87 0 16 0,0 0 0 0,0 0 0 15,0 0 256-15,94 5 0 0,-76-5 0 0,-18 0 0 16,0 0 0-16,0 0 0 0,0 0 144 0,95 9-144 16,-81-9 0-16,-14 0 128 0,0 0-128 0,0 0 0 15,0 0 0-15,81-9 0 0,-69 8 0 0,0-3 0 16,-5-1 0-16,0-2-144 0,2-2 144 0,-8 4 0 15,3-4-176-15,-1 1 176 0,3-1-160 0,-1-2 160 16,0-1 0-16,2-2 0 0,2 2 0 0,-1-5 0 16,6 3 0-16,-1-4 0 0,0 1 208 0,5-2-64 15,-4 1-144-15,3-3 128 0,1 1-128 0,-1-3 128 0,1 4-128 16,-1-7-176-16,-3-1 48 0,0-2 0 0,0 4 0 16,-2-4 0-16,0 3 0 0,-1-6 0 0,1 6 128 0,-3-5 0 15,-1 5 0-15,-4-4 0 0,3 6 0 0,0-2 128 16,-2 0-128-16,-2-1 0 0,3 5 0 0,-3-4 128 15,-3 5-128-15,5-2 0 0,-5 6 192 0,4-2-16 16,-4 3-16-16,2-2 0 0,1 4 32 0,1-3 16 16,2 0 0-16,1-1 0 0,2 1-208 0,0-2 128 15,1 1-128-15,-1-3 0 0,3 2 0 0,-3-2 0 16,-4 2 0-16,-1 2 0 0,-3 3 0 0,-1-2-192 0,0 2 192 16,-1 2-160-16,-3 3 160 0,-1-1 0 0,-4 1 0 0,4 0 0 15,-4 1 0-15,1-1 0 16,-5 0 0-16,5 4 128 0,-3-2 128 0,1 2 48 0,3-4 0 0,-2 0 0 15,0 1-304-15,-3-6 0 0,3 2 128 0,-3 1-128 16,2-1-256-16,-8-2-96 0,1 2-32 0,-2 1 0 16,-2-1 0-16,-2 3 0 0,-6 1 0 0,1-1 0 15,-4 0 240-15,3 1 144 0,-6-1-192 0,4 4 192 16,-6-1-144-16,2 0 144 0,2 0 0 0,-2 3-144 0,2-2 0 16,-5 1 0-16,3-1 0 0,-2 1 0 0,-3 3-176 0,0-5-16 15,-4 3-16-15,-3-2 0 16,-3 1-48-16,-2-1-16 0,3-2 0 0,-5 5 0 15,7 2 80-15,-6-3 16 0,1 6 0 0,2-1 0 16,-3 2-384-16,-1 1-64 0,6-5 0 0,-5 0-16 16,-4 0 96-16,-1 0 32 0,-1-5 0 0,0 1 0 15,1 2-192-15,1-1-48 0,5 3 0 0,-4 0 0 16,0 3 320-16,-2-1 48 16,-3 5 16-16,1-5 0 0,-7 1 384 0,-4-3 128 0,-2-3 0 0,5-2 0 0,3 1 0 0,6-5 0 0,-2 4 0 15,3 0 0-15,3-2 0 16,-5 2 0-16,-1 1 128 0,-5-1-128 0,-9 0-144 0,4 1-80 0,1-1-16 0,2 2 0 15,4 6 48-15,1-3 0 16,2 4 0-16,0-3 0 0,0 3 432 0,-2-4 80 16,-3-4 32-16,3 3 0 0,6-3 96 0,1 4 32 0,6 0 0 0,-3 0 0 15,1 4-256-15,0-3-48 0,1 5-16 0,-1 2 0 16,-4-1-160-16,-3-2 0 0,-7 4 0 0,-1-9 0 16,6 4 0-16,-1-3 0 0,4-1 0 0,2 0 0 15,6-1 0-15,-2 2 240 0,1-1-64 0,2 4-16 16,-1-4-32-16,-6 0-128 0,-1 0 192 0,-4 0-64 0,1 0-400 0,3 0-96 15,1 0-16-15,5 3 0 32,-1-1-192-32,5-2-32 0,-3 4-16 0,3 1 0 0,1-2 416 0,-3 2 80 0,1-1 128 0,-8 1-208 0,-2-1 208 0,-1-3 0 15,0 6 0-15,5-5 0 0,5 5 384 0,0-2-48 16,-3 1 0-16,3-3 0 0,6 2 48 0,-1 2 16 16,1-2 0-16,1-1 0 0,-5-2-400 0,1 5 0 15,-2-2 0-15,-5 4 0 16,8-1 0-16,-2 3 0 0,2 6-192 0,-2 4 192 0,1 2-176 0,3-1 176 15,-4 4-128-15,1 1 128 0,1-1 128 0,-2 2 128 0,-2 1 0 0,-3 3 16 32,-6 2 912-32,-1-2 176 0,-2 6 48 0,4-7 0 0,3 1 112 0,1-1 16 15,5-5 16-15,1-3 0 0,6-2-1200 16,3-7-352-16</inkml:trace>
@@ -3579,7 +3846,7 @@
     </inkml:brush>
   </inkml:definitions>
   <inkml:trace contextRef="#ctx0" brushRef="#br0">2382 7021 911 0,'-4'5'0'0,"3"-1"0"0,1-4 0 0,0 0 0 16,0 3 448-16,0-3 0 0,0 0 0 0,-4 0 0 15,4 2 32-15,-5-2 16 0,5 0 0 0,-4 0 0 16,4-2 80-16,0-1 32 0,-3 3 0 0,3-4 0 0,-2 3 160 0,2-3 16 15,0 4 16-15,0-3 0 16,0 3-48-16,0-2-16 0,-3-2 0 0,1 1 0 0,0 3-160 0,2-5-48 16,0 5 0-16,2-6 0 0,-2 3-224 0,0 0-48 15,2-3-16-15,1 1 0 0,-1 2-64 0,1-3-16 16,1 1 0-16,-2-2 0 0,1 2 352 0,1 1 64 16,-3-1 0-16,3 2 16 0,1-2 64 0,-2 1 16 15,3-1 0-15,-1 1 0 0,-2-1-384 0,1 5-80 16,-1-5-16-16,3 1 0 0,-1 4-192 0,0-1 0 15,2-3 0-15,-2 4 0 0,-1 0 0 0,1 4 128 0,-2-3-128 0,3 5 144 16,-3 1 384-16,2-2 80 16,-1 4 16-16,1-1 0 0,-3 4-80 0,1-1-16 0,1 1 0 0,-2 2 0 15,1 0-256-15,1 3-48 0,-3 1-16 0,3 3 0 16,-1-2-64-16,2 2-16 0,1 1 0 0,1-4 0 16,0-1 0-16,1 1-128 0,1 1 192 0,2-2-64 15,-1 4 48-15,2 0 0 0,-1-2 0 0,1 4 0 16,-2-2-176-16,2 1 0 0,1 1 0 0,-3-2 128 15,2-4-128-15,-3 1 0 0,0-1 0 0,-1-6 0 16,1 4 0-16,0-4 0 0,0-3-144 0,-4 1 144 16,0 0-352-16,-1-4-16 0,1 2 0 0,-2-2 0 15,-3 0 32-15,2-1 0 0,0-4 0 0,-2 5 0 0,1-5 336 0,3 0 0 16,-4 4 0-16,2-4 0 0,-1 0-144 0,1 0 144 16,2 0-192-16,-4 0 192 15,1 0-224-15,1 0 64 0,0 0 16 0,1 0 0 0,1 0 144 0,1-4 0 16,-1 4 0-16,1-5 0 0,4 1 0 0,-4-4 176 15,3 3-48-15,1-8 0 0,0 5 64 0,-4-3 0 16,2-1 0-16,0-2 0 0,0 0-64 0,-2 2-128 0,-1 0 192 0,1-4-64 16,4-1-128-16,-6-4 0 15,2 0 144-15,4 2-144 0,-4 1 0 0,2-3 144 0,2 2-144 0,-4-2 0 16,4 2 0-16,-4-2 0 0,4 4 0 0,-6 3 0 16,3 2 0-16,-3 3 0 0,4 0 0 0,0 1 0 15,-2-1 0-15,1 4 0 0,0-4 0 0,0 7 0 16,2-1 0-16,1 3 0 15,-4 0 0-15,2 3 0 0,2-1 0 0,-4 7 0 0,0-1 0 0,1 6 0 16,-3-2 0-16,1 6 0 0,-3 5 0 0,1-1 0 16,0 4 0-16,1 0 0 0,-3 4 0 0,0-2 0 0,2 2 0 15,2-3-144-15,-1 3 144 16,-3-2-128-16,5-2 128 0,-1 0 0 0,1 0 0 0,4-5 0 16,-4-5 0-16,2 0 0 0,2-6 0 0,-2-1 0 0,3-1 0 0,1-4 0 15,-3-4 0-15,4 0 0 0,2-5 0 16,-3-4 0-16,1-7 0 0,0-1 0 15,6-2 400-15,-4-7 16 0,3-6 0 0,0-3 0 16,1 1 0-16,-4-7 0 0,3 1 0 0,1-3 0 0,-1 3-96 0,-3-4-32 16,3 9 0-16,-4-1 0 0,2 1-288 15,1 4 0-15,0 1 0 0,-4 4 0 16,0 3-736-16,-3 6-160 16,1 3-16-16,3 2-7216 0,-5 3-1456 0</inkml:trace>
-  <inkml:trace contextRef="#ctx0" brushRef="#br0" timeOffset="607.91">3957 6359 10127 0,'-3'5'448'0,"1"-5"96"0,2 6-544 0,-4-6 0 0,4 3 0 0,-1 1 0 15,1-3 736-15,-4 8 32 0,1 0 16 0,-3 7 0 16,1 3-192-16,-4 2-32 0,1 1-16 0,-1 1 0 16,2 3 224-16,2 5 64 0,0-1 0 0,-4 1 0 15,5 6 64-15,1 1 0 0,1 6 16 0,-3-2 0 16,3 8-256-16,0-1-48 0,2 5-16 0,0-2 0 16,-3 6-288-16,3-4-64 0,-2 1-16 0,-1-4 0 15,-1 1-224-15,1-5 128 0,1-5-128 0,-3 0 0 0,-2-1 0 0,2-2 0 16,-1-3 0-16,3-6 0 15,-1-2-336-15,3-7-16 0,1-4 0 0,0-5 0 16,0-6-64-16,1-6-16 0,6-4 0 0,-1-5 0 0,-1-5 32 0,2-6 0 16,3-5 0-16,-1-4 0 0,3-6 400 0,0 0-128 15,2-5 128-15,2 3 0 0,0-3 0 0,1-2 0 16,1 2 0-16,-1 4 0 0,-1-3 0 0,-1 5 0 16,3 1-144-16,-1-1 144 0,-3 7 0 0,4 0 0 15,-6 10 0-15,2 3 0 0,-4 9-144 0,2 1 144 16,-3 4 0-16,-4 6 0 0,2 1 0 0,-2 0 0 0,4 5 0 0,-4 5 0 15,1 4 320-15,1 3 0 0,-6 6 16 0,6 1 0 16,-5 8-80-16,2-3 0 0,-3 4-16 0,1 4 0 16,0-4-80-16,-2 3-16 15,0 3 0-15,0-3 0 0,3 4 112 0,-6-5 0 0,3 2 16 16,0-4 0-16,3-7-272 0,-3-5-144 0,2-2 16 0,1-5-10064 16</inkml:trace>
+  <inkml:trace contextRef="#ctx0" brushRef="#br0" timeOffset="607.93">3957 6359 10127 0,'-3'5'448'0,"1"-5"96"0,2 6-544 0,-4-6 0 0,4 3 0 0,-1 1 0 15,1-3 736-15,-4 8 32 0,1 0 16 0,-3 7 0 16,1 3-192-16,-4 2-32 0,1 1-16 0,-1 1 0 16,2 3 224-16,2 5 64 0,0-1 0 0,-4 1 0 15,5 6 64-15,1 1 0 0,1 6 16 0,-3-2 0 16,3 8-256-16,0-1-48 0,2 5-16 0,0-2 0 16,-3 6-288-16,3-4-64 0,-2 1-16 0,-1-4 0 15,-1 1-224-15,1-5 128 0,1-5-128 0,-3 0 0 0,-2-1 0 0,2-2 0 16,-1-3 0-16,3-6 0 15,-1-2-336-15,3-7-16 0,1-4 0 0,0-5 0 16,0-6-64-16,1-6-16 0,6-4 0 0,-1-5 0 0,-1-5 32 0,2-6 0 16,3-5 0-16,-1-4 0 0,3-6 400 0,0 0-128 15,2-5 128-15,2 3 0 0,0-3 0 0,1-2 0 16,1 2 0-16,-1 4 0 0,-1-3 0 0,-1 5 0 16,3 1-144-16,-1-1 144 0,-3 7 0 0,4 0 0 15,-6 10 0-15,2 3 0 0,-4 9-144 0,2 1 144 16,-3 4 0-16,-4 6 0 0,2 1 0 0,-2 0 0 0,4 5 0 0,-4 5 0 15,1 4 320-15,1 3 0 0,-6 6 16 0,6 1 0 16,-5 8-80-16,2-3 0 0,-3 4-16 0,1 4 0 16,0-4-80-16,-2 3-16 15,0 3 0-15,0-3 0 0,3 4 112 0,-6-5 0 0,3 2 16 16,0-4 0-16,3-7-272 0,-3-5-144 0,2-2 16 0,1-5-10064 16</inkml:trace>
   <inkml:trace contextRef="#ctx0" brushRef="#br0" timeOffset="835.38">4485 7263 8287 0,'0'5'736'0,"2"1"-592"0,1-3-144 0,-3 2 0 15,4-1 960-15,1 1 176 0,-2 7 16 0,4 6 16 0,6 8 112 0,-5 2 32 16,5 3 0-16,-3-1 0 0,-1-1-848 0,3-1-160 15,-7 2-48-15,4-2 0 0,0 1 448 0,-1 3 96 16,-2-1 16-16,-1 0 0 0,2 1-400 0,-6-3-80 0,1 3-16 16,3-6 0-1,-5-4-800-15,0-4-160 0</inkml:trace>
   <inkml:trace contextRef="#ctx0" brushRef="#br0" timeOffset="1136.06">5003 6436 7359 0,'-4'16'320'0,"2"-8"80"0,2 1-400 0,0 0 0 0,0-4 0 0,0 4 0 0,-3 1 1456 0,3 11 208 15,-5 10 32-15,-1 9 16 0,3 9-240 0,-6-2-32 16,6 2-16-16,-1-4 0 0,3-1 32 0,1-1 0 15,0 3 0-15,0-3 0 0,1 4-448 0,3-2-96 16,-1 8-16-16,-3-5 0 16,2 1-320-16,-2-2-80 0,0-5-16 0,0 2 0 0,2 4-224 0,-1-4-64 15,3-1 0-15,-4 3 0 16,2-6-192-16,-2 2 0 0,1-6 0 0,1 4 0 16,2 0-256-16,-4-5-80 0,0 3-32 0,0-6 0 15,0-4-1568-15,5-11-320 16</inkml:trace>
   <inkml:trace contextRef="#ctx0" brushRef="#br0" timeOffset="1583.95">5313 7286 8287 0,'0'17'368'0,"0"-3"80"0,2-2-448 0,-1-1 0 15,3-8 0-15,-3 3 0 0,3 1 1312 0,1 3 176 16,4 6 48-16,3 3 0 0,2 2-576 0,2-2-96 16,1-2-32-16,2-3 0 0,-1-2-16 0,3-3-16 15,3-5 0-15,0-3 0 0,3-1-240 0,0 0-48 16,0-1-16-16,-1-6 0 0,0 1-496 0,-3-2 128 16,-3-3-128-16,3-1 0 0,-7-2 256 0,-1-2 0 15,-1 3 0-15,-5-1 0 0,0-4 256 0,-6 1 64 16,-1-1 16-16,-4 1 0 0,-1 0 0 0,-6-6 0 15,0 5 0-15,-1-4 0 0,-2-1-208 0,-6 2-32 0,1 2-16 16,-4-2 0-16,2 4-144 0,-4 3-48 0,-1 2 0 0,-1 1 0 16,1 4 128-16,-2 7 32 0,1 4 0 0,-1 4 0 15,2 6 448-15,1 0 80 0,6 4 32 0,1 3 0 16,4 1-176-16,3 4-48 0,1 4 0 0,2-2 0 16,3 1-224-16,3 3-48 0,0 3-16 0,0-2 0 15,5 2-80-15,0-1-16 0,4 1 0 0,0 2 0 0,3 1 256 0,2-6 64 16,3 2 0-16,1-6 0 15,3-2-112-15,1-1-16 0,4-6 0 0,1-5 0 0,-1-2-320 0,2 0-128 16,1-7 0-16,-1 1 144 0,2-6-144 0,-30 0 0 16,0 0 0-16,92-18 0 15,-92 18-848-15,0 0-48 0,85-42-16 0,-85 42-10640 16,0 0-2128-16</inkml:trace>
@@ -3718,7 +3985,7 @@
           <a:p>
             <a:fld id="{C56B06BE-B613-402A-A392-73A2760B21F0}" type="datetimeFigureOut">
               <a:rPr lang="en-AU" smtClean="0"/>
-              <a:t>11/01/2024</a:t>
+              <a:t>12/01/2024</a:t>
             </a:fld>
             <a:endParaRPr lang="en-AU"/>
           </a:p>
@@ -4135,7 +4402,7 @@
           <a:p>
             <a:fld id="{0D6B5798-EEF3-47A3-B8AA-256C4C6EFD5A}" type="datetime1">
               <a:rPr lang="en-AU" smtClean="0"/>
-              <a:t>11/01/2024</a:t>
+              <a:t>12/01/2024</a:t>
             </a:fld>
             <a:endParaRPr lang="en-AU"/>
           </a:p>
@@ -4335,7 +4602,7 @@
           <a:p>
             <a:fld id="{3C467393-BCE0-422C-BA1B-A73D9EB22E6B}" type="datetime1">
               <a:rPr lang="en-AU" smtClean="0"/>
-              <a:t>11/01/2024</a:t>
+              <a:t>12/01/2024</a:t>
             </a:fld>
             <a:endParaRPr lang="en-AU"/>
           </a:p>
@@ -4545,7 +4812,7 @@
           <a:p>
             <a:fld id="{76DDCC4D-D08B-40F3-9BFB-AC61838CE563}" type="datetime1">
               <a:rPr lang="en-AU" smtClean="0"/>
-              <a:t>11/01/2024</a:t>
+              <a:t>12/01/2024</a:t>
             </a:fld>
             <a:endParaRPr lang="en-AU"/>
           </a:p>
@@ -4745,7 +5012,7 @@
           <a:p>
             <a:fld id="{C214874D-8F60-4CF2-A2CC-F249D0641CBE}" type="datetime1">
               <a:rPr lang="en-AU" smtClean="0"/>
-              <a:t>11/01/2024</a:t>
+              <a:t>12/01/2024</a:t>
             </a:fld>
             <a:endParaRPr lang="en-AU"/>
           </a:p>
@@ -5022,7 +5289,7 @@
           <a:p>
             <a:fld id="{37D569C6-B5B5-4513-BC5A-6FEF38F8A172}" type="datetime1">
               <a:rPr lang="en-AU" smtClean="0"/>
-              <a:t>11/01/2024</a:t>
+              <a:t>12/01/2024</a:t>
             </a:fld>
             <a:endParaRPr lang="en-AU"/>
           </a:p>
@@ -5290,7 +5557,7 @@
           <a:p>
             <a:fld id="{60B5A0A5-59C9-4B66-8A1B-AD6B20D8D0F9}" type="datetime1">
               <a:rPr lang="en-AU" smtClean="0"/>
-              <a:t>11/01/2024</a:t>
+              <a:t>12/01/2024</a:t>
             </a:fld>
             <a:endParaRPr lang="en-AU"/>
           </a:p>
@@ -5705,7 +5972,7 @@
           <a:p>
             <a:fld id="{407793A0-5CE6-4A20-B8C1-31AE5E432521}" type="datetime1">
               <a:rPr lang="en-AU" smtClean="0"/>
-              <a:t>11/01/2024</a:t>
+              <a:t>12/01/2024</a:t>
             </a:fld>
             <a:endParaRPr lang="en-AU"/>
           </a:p>
@@ -5847,7 +6114,7 @@
           <a:p>
             <a:fld id="{DE10BCEC-4D7A-48FF-8022-1AC70EA89FAC}" type="datetime1">
               <a:rPr lang="en-AU" smtClean="0"/>
-              <a:t>11/01/2024</a:t>
+              <a:t>12/01/2024</a:t>
             </a:fld>
             <a:endParaRPr lang="en-AU"/>
           </a:p>
@@ -5960,7 +6227,7 @@
           <a:p>
             <a:fld id="{7C46A8A6-9C6B-4516-B49B-E1617FDF5A31}" type="datetime1">
               <a:rPr lang="en-AU" smtClean="0"/>
-              <a:t>11/01/2024</a:t>
+              <a:t>12/01/2024</a:t>
             </a:fld>
             <a:endParaRPr lang="en-AU"/>
           </a:p>
@@ -6273,7 +6540,7 @@
           <a:p>
             <a:fld id="{872A5490-05EA-48B4-B9FD-0D901D2F9519}" type="datetime1">
               <a:rPr lang="en-AU" smtClean="0"/>
-              <a:t>11/01/2024</a:t>
+              <a:t>12/01/2024</a:t>
             </a:fld>
             <a:endParaRPr lang="en-AU"/>
           </a:p>
@@ -6562,7 +6829,7 @@
           <a:p>
             <a:fld id="{459B5CC0-EFEE-4A62-BE96-1986F08CB86D}" type="datetime1">
               <a:rPr lang="en-AU" smtClean="0"/>
-              <a:t>11/01/2024</a:t>
+              <a:t>12/01/2024</a:t>
             </a:fld>
             <a:endParaRPr lang="en-AU"/>
           </a:p>
@@ -6805,7 +7072,7 @@
           <a:p>
             <a:fld id="{B97E6E6E-3B4C-478A-AEA8-AE1656F48933}" type="datetime1">
               <a:rPr lang="en-AU" smtClean="0"/>
-              <a:t>11/01/2024</a:t>
+              <a:t>12/01/2024</a:t>
             </a:fld>
             <a:endParaRPr lang="en-AU"/>
           </a:p>
@@ -18300,7 +18567,7 @@
         <p:spPr>
           <a:xfrm>
             <a:off x="8766454" y="1354734"/>
-            <a:ext cx="2135489" cy="923330"/>
+            <a:ext cx="2159281" cy="923330"/>
           </a:xfrm>
           <a:prstGeom prst="rect">
             <a:avLst/>
@@ -18321,16 +18588,13 @@
             <a:pPr algn="ctr"/>
             <a:r>
               <a:rPr lang="en-CA" dirty="0"/>
-              <a:t>pushing onto a full stack causes a </a:t>
+              <a:t>pushing onto a full stack causes an error: </a:t>
             </a:r>
             <a:r>
               <a:rPr lang="en-CA" b="1" dirty="0"/>
               <a:t>stack overflow</a:t>
             </a:r>
-            <a:r>
-              <a:rPr lang="en-CA" dirty="0"/>
-              <a:t> error</a:t>
-            </a:r>
+            <a:endParaRPr lang="en-CA" dirty="0"/>
           </a:p>
         </p:txBody>
       </p:sp>
@@ -18393,6 +18657,7 @@
             </a:extLst>
           </p:cNvPr>
           <p:cNvCxnSpPr>
+            <a:cxnSpLocks/>
             <a:stCxn id="3" idx="1"/>
           </p:cNvCxnSpPr>
           <p:nvPr/>
@@ -19491,6 +19756,57 @@
           </a:p>
         </p:txBody>
       </p:sp>
+      <mc:AlternateContent xmlns:mc="http://schemas.openxmlformats.org/markup-compatibility/2006">
+        <mc:Choice xmlns:p14="http://schemas.microsoft.com/office/powerpoint/2010/main" Requires="p14">
+          <p:contentPart p14:bwMode="auto" r:id="rId2">
+            <p14:nvContentPartPr>
+              <p14:cNvPr id="5" name="Ink 4">
+                <a:extLst>
+                  <a:ext uri="{FF2B5EF4-FFF2-40B4-BE49-F238E27FC236}">
+                    <a16:creationId xmlns:a16="http://schemas.microsoft.com/office/drawing/2014/main" id="{476456FB-D957-38EA-0E04-C4927CEC96D2}"/>
+                  </a:ext>
+                </a:extLst>
+              </p14:cNvPr>
+              <p14:cNvContentPartPr/>
+              <p14:nvPr/>
+            </p14:nvContentPartPr>
+            <p14:xfrm>
+              <a:off x="7639920" y="325080"/>
+              <a:ext cx="3670200" cy="5042880"/>
+            </p14:xfrm>
+          </p:contentPart>
+        </mc:Choice>
+        <mc:Fallback>
+          <p:pic>
+            <p:nvPicPr>
+              <p:cNvPr id="5" name="Ink 4">
+                <a:extLst>
+                  <a:ext uri="{FF2B5EF4-FFF2-40B4-BE49-F238E27FC236}">
+                    <a16:creationId xmlns:a16="http://schemas.microsoft.com/office/drawing/2014/main" id="{476456FB-D957-38EA-0E04-C4927CEC96D2}"/>
+                  </a:ext>
+                </a:extLst>
+              </p:cNvPr>
+              <p:cNvPicPr/>
+              <p:nvPr/>
+            </p:nvPicPr>
+            <p:blipFill>
+              <a:blip r:embed="rId3"/>
+              <a:stretch>
+                <a:fillRect/>
+              </a:stretch>
+            </p:blipFill>
+            <p:spPr>
+              <a:xfrm>
+                <a:off x="7630560" y="315720"/>
+                <a:ext cx="3688920" cy="5061600"/>
+              </a:xfrm>
+              <a:prstGeom prst="rect">
+                <a:avLst/>
+              </a:prstGeom>
+            </p:spPr>
+          </p:pic>
+        </mc:Fallback>
+      </mc:AlternateContent>
     </p:spTree>
     <p:extLst>
       <p:ext uri="{BB962C8B-B14F-4D97-AF65-F5344CB8AC3E}">
@@ -20621,6 +20937,57 @@
           </a:p>
         </p:txBody>
       </p:sp>
+      <mc:AlternateContent xmlns:mc="http://schemas.openxmlformats.org/markup-compatibility/2006">
+        <mc:Choice xmlns:p14="http://schemas.microsoft.com/office/powerpoint/2010/main" Requires="p14">
+          <p:contentPart p14:bwMode="auto" r:id="rId2">
+            <p14:nvContentPartPr>
+              <p14:cNvPr id="5" name="Ink 4">
+                <a:extLst>
+                  <a:ext uri="{FF2B5EF4-FFF2-40B4-BE49-F238E27FC236}">
+                    <a16:creationId xmlns:a16="http://schemas.microsoft.com/office/drawing/2014/main" id="{C0A7F282-2AD2-667D-A790-C063D852F2DE}"/>
+                  </a:ext>
+                </a:extLst>
+              </p14:cNvPr>
+              <p14:cNvContentPartPr/>
+              <p14:nvPr/>
+            </p14:nvContentPartPr>
+            <p14:xfrm>
+              <a:off x="7536960" y="1046880"/>
+              <a:ext cx="1555560" cy="3973320"/>
+            </p14:xfrm>
+          </p:contentPart>
+        </mc:Choice>
+        <mc:Fallback>
+          <p:pic>
+            <p:nvPicPr>
+              <p:cNvPr id="5" name="Ink 4">
+                <a:extLst>
+                  <a:ext uri="{FF2B5EF4-FFF2-40B4-BE49-F238E27FC236}">
+                    <a16:creationId xmlns:a16="http://schemas.microsoft.com/office/drawing/2014/main" id="{C0A7F282-2AD2-667D-A790-C063D852F2DE}"/>
+                  </a:ext>
+                </a:extLst>
+              </p:cNvPr>
+              <p:cNvPicPr/>
+              <p:nvPr/>
+            </p:nvPicPr>
+            <p:blipFill>
+              <a:blip r:embed="rId3"/>
+              <a:stretch>
+                <a:fillRect/>
+              </a:stretch>
+            </p:blipFill>
+            <p:spPr>
+              <a:xfrm>
+                <a:off x="7527600" y="1037520"/>
+                <a:ext cx="1574280" cy="3992040"/>
+              </a:xfrm>
+              <a:prstGeom prst="rect">
+                <a:avLst/>
+              </a:prstGeom>
+            </p:spPr>
+          </p:pic>
+        </mc:Fallback>
+      </mc:AlternateContent>
     </p:spTree>
     <p:extLst>
       <p:ext uri="{BB962C8B-B14F-4D97-AF65-F5344CB8AC3E}">
@@ -22617,6 +22984,57 @@
           </a:p>
         </p:txBody>
       </p:sp>
+      <mc:AlternateContent xmlns:mc="http://schemas.openxmlformats.org/markup-compatibility/2006">
+        <mc:Choice xmlns:p14="http://schemas.microsoft.com/office/powerpoint/2010/main" Requires="p14">
+          <p:contentPart p14:bwMode="auto" r:id="rId2">
+            <p14:nvContentPartPr>
+              <p14:cNvPr id="7" name="Ink 6">
+                <a:extLst>
+                  <a:ext uri="{FF2B5EF4-FFF2-40B4-BE49-F238E27FC236}">
+                    <a16:creationId xmlns:a16="http://schemas.microsoft.com/office/drawing/2014/main" id="{994221FF-815F-6A50-BD23-62AEA8B27C95}"/>
+                  </a:ext>
+                </a:extLst>
+              </p14:cNvPr>
+              <p14:cNvContentPartPr/>
+              <p14:nvPr/>
+            </p14:nvContentPartPr>
+            <p14:xfrm>
+              <a:off x="10135440" y="1122120"/>
+              <a:ext cx="1061280" cy="430560"/>
+            </p14:xfrm>
+          </p:contentPart>
+        </mc:Choice>
+        <mc:Fallback>
+          <p:pic>
+            <p:nvPicPr>
+              <p:cNvPr id="7" name="Ink 6">
+                <a:extLst>
+                  <a:ext uri="{FF2B5EF4-FFF2-40B4-BE49-F238E27FC236}">
+                    <a16:creationId xmlns:a16="http://schemas.microsoft.com/office/drawing/2014/main" id="{994221FF-815F-6A50-BD23-62AEA8B27C95}"/>
+                  </a:ext>
+                </a:extLst>
+              </p:cNvPr>
+              <p:cNvPicPr/>
+              <p:nvPr/>
+            </p:nvPicPr>
+            <p:blipFill>
+              <a:blip r:embed="rId3"/>
+              <a:stretch>
+                <a:fillRect/>
+              </a:stretch>
+            </p:blipFill>
+            <p:spPr>
+              <a:xfrm>
+                <a:off x="10126080" y="1112760"/>
+                <a:ext cx="1080000" cy="449280"/>
+              </a:xfrm>
+              <a:prstGeom prst="rect">
+                <a:avLst/>
+              </a:prstGeom>
+            </p:spPr>
+          </p:pic>
+        </mc:Fallback>
+      </mc:AlternateContent>
     </p:spTree>
     <p:extLst>
       <p:ext uri="{BB962C8B-B14F-4D97-AF65-F5344CB8AC3E}">
@@ -24897,6 +25315,57 @@
           </a:p>
         </p:txBody>
       </p:sp>
+      <mc:AlternateContent xmlns:mc="http://schemas.openxmlformats.org/markup-compatibility/2006">
+        <mc:Choice xmlns:p14="http://schemas.microsoft.com/office/powerpoint/2010/main" Requires="p14">
+          <p:contentPart p14:bwMode="auto" r:id="rId2">
+            <p14:nvContentPartPr>
+              <p14:cNvPr id="7" name="Ink 6">
+                <a:extLst>
+                  <a:ext uri="{FF2B5EF4-FFF2-40B4-BE49-F238E27FC236}">
+                    <a16:creationId xmlns:a16="http://schemas.microsoft.com/office/drawing/2014/main" id="{B1F43FF1-A1BC-3072-F8A4-DD338EDCEC1C}"/>
+                  </a:ext>
+                </a:extLst>
+              </p14:cNvPr>
+              <p14:cNvContentPartPr/>
+              <p14:nvPr/>
+            </p14:nvContentPartPr>
+            <p14:xfrm>
+              <a:off x="7024680" y="2980440"/>
+              <a:ext cx="3783600" cy="1401840"/>
+            </p14:xfrm>
+          </p:contentPart>
+        </mc:Choice>
+        <mc:Fallback>
+          <p:pic>
+            <p:nvPicPr>
+              <p:cNvPr id="7" name="Ink 6">
+                <a:extLst>
+                  <a:ext uri="{FF2B5EF4-FFF2-40B4-BE49-F238E27FC236}">
+                    <a16:creationId xmlns:a16="http://schemas.microsoft.com/office/drawing/2014/main" id="{B1F43FF1-A1BC-3072-F8A4-DD338EDCEC1C}"/>
+                  </a:ext>
+                </a:extLst>
+              </p:cNvPr>
+              <p:cNvPicPr/>
+              <p:nvPr/>
+            </p:nvPicPr>
+            <p:blipFill>
+              <a:blip r:embed="rId3"/>
+              <a:stretch>
+                <a:fillRect/>
+              </a:stretch>
+            </p:blipFill>
+            <p:spPr>
+              <a:xfrm>
+                <a:off x="7015320" y="2971080"/>
+                <a:ext cx="3802320" cy="1420560"/>
+              </a:xfrm>
+              <a:prstGeom prst="rect">
+                <a:avLst/>
+              </a:prstGeom>
+            </p:spPr>
+          </p:pic>
+        </mc:Fallback>
+      </mc:AlternateContent>
     </p:spTree>
     <p:extLst>
       <p:ext uri="{BB962C8B-B14F-4D97-AF65-F5344CB8AC3E}">
@@ -26338,6 +26807,57 @@
           </a:p>
         </p:txBody>
       </p:sp>
+      <mc:AlternateContent xmlns:mc="http://schemas.openxmlformats.org/markup-compatibility/2006">
+        <mc:Choice xmlns:p14="http://schemas.microsoft.com/office/powerpoint/2010/main" Requires="p14">
+          <p:contentPart p14:bwMode="auto" r:id="rId2">
+            <p14:nvContentPartPr>
+              <p14:cNvPr id="5" name="Ink 4">
+                <a:extLst>
+                  <a:ext uri="{FF2B5EF4-FFF2-40B4-BE49-F238E27FC236}">
+                    <a16:creationId xmlns:a16="http://schemas.microsoft.com/office/drawing/2014/main" id="{144839CF-5C7D-FD49-9533-4DBF4FF79827}"/>
+                  </a:ext>
+                </a:extLst>
+              </p14:cNvPr>
+              <p14:cNvContentPartPr/>
+              <p14:nvPr/>
+            </p14:nvContentPartPr>
+            <p14:xfrm>
+              <a:off x="555480" y="2418120"/>
+              <a:ext cx="10659240" cy="1842120"/>
+            </p14:xfrm>
+          </p:contentPart>
+        </mc:Choice>
+        <mc:Fallback>
+          <p:pic>
+            <p:nvPicPr>
+              <p:cNvPr id="5" name="Ink 4">
+                <a:extLst>
+                  <a:ext uri="{FF2B5EF4-FFF2-40B4-BE49-F238E27FC236}">
+                    <a16:creationId xmlns:a16="http://schemas.microsoft.com/office/drawing/2014/main" id="{144839CF-5C7D-FD49-9533-4DBF4FF79827}"/>
+                  </a:ext>
+                </a:extLst>
+              </p:cNvPr>
+              <p:cNvPicPr/>
+              <p:nvPr/>
+            </p:nvPicPr>
+            <p:blipFill>
+              <a:blip r:embed="rId3"/>
+              <a:stretch>
+                <a:fillRect/>
+              </a:stretch>
+            </p:blipFill>
+            <p:spPr>
+              <a:xfrm>
+                <a:off x="546120" y="2408760"/>
+                <a:ext cx="10677960" cy="1860840"/>
+              </a:xfrm>
+              <a:prstGeom prst="rect">
+                <a:avLst/>
+              </a:prstGeom>
+            </p:spPr>
+          </p:pic>
+        </mc:Fallback>
+      </mc:AlternateContent>
     </p:spTree>
     <p:extLst>
       <p:ext uri="{BB962C8B-B14F-4D97-AF65-F5344CB8AC3E}">
